--- a/week_5/Presentation_week_5.2.pptx
+++ b/week_5/Presentation_week_5.2.pptx
@@ -5,26 +5,18 @@
     <p:sldMasterId id="2147483648" r:id="rId1"/>
   </p:sldMasterIdLst>
   <p:notesMasterIdLst>
-    <p:notesMasterId r:id="rId19"/>
+    <p:notesMasterId r:id="rId11"/>
   </p:notesMasterIdLst>
   <p:sldIdLst>
-    <p:sldId id="262" r:id="rId2"/>
-    <p:sldId id="263" r:id="rId3"/>
-    <p:sldId id="264" r:id="rId4"/>
-    <p:sldId id="265" r:id="rId5"/>
-    <p:sldId id="266" r:id="rId6"/>
-    <p:sldId id="267" r:id="rId7"/>
-    <p:sldId id="268" r:id="rId8"/>
-    <p:sldId id="269" r:id="rId9"/>
-    <p:sldId id="256" r:id="rId10"/>
-    <p:sldId id="275" r:id="rId11"/>
-    <p:sldId id="257" r:id="rId12"/>
-    <p:sldId id="276" r:id="rId13"/>
-    <p:sldId id="271" r:id="rId14"/>
-    <p:sldId id="272" r:id="rId15"/>
-    <p:sldId id="273" r:id="rId16"/>
-    <p:sldId id="274" r:id="rId17"/>
-    <p:sldId id="258" r:id="rId18"/>
+    <p:sldId id="256" r:id="rId2"/>
+    <p:sldId id="275" r:id="rId3"/>
+    <p:sldId id="277" r:id="rId4"/>
+    <p:sldId id="273" r:id="rId5"/>
+    <p:sldId id="271" r:id="rId6"/>
+    <p:sldId id="274" r:id="rId7"/>
+    <p:sldId id="276" r:id="rId8"/>
+    <p:sldId id="278" r:id="rId9"/>
+    <p:sldId id="257" r:id="rId10"/>
   </p:sldIdLst>
   <p:sldSz cx="12192000" cy="6858000"/>
   <p:notesSz cx="6858000" cy="9144000"/>
@@ -123,6 +115,11 @@
       </a:defRPr>
     </a:lvl9pPr>
   </p:defaultTextStyle>
+  <p:extLst>
+    <p:ext uri="{EFAFB233-063F-42B5-8137-9DF3F51BA10A}">
+      <p15:sldGuideLst xmlns:p15="http://schemas.microsoft.com/office/powerpoint/2012/main"/>
+    </p:ext>
+  </p:extLst>
 </p:presentation>
 </file>
 
@@ -208,7 +205,7 @@
           <a:p>
             <a:fld id="{FC773429-1918-A94C-A2FF-031CC5A6F616}" type="datetimeFigureOut">
               <a:rPr lang="en-US" smtClean="0"/>
-              <a:t>7/12/16</a:t>
+              <a:t>7/13/16</a:t>
             </a:fld>
             <a:endParaRPr lang="en-US"/>
           </a:p>
@@ -520,65 +517,7 @@
           <a:bodyPr/>
           <a:lstStyle/>
           <a:p>
-            <a:r>
-              <a:rPr lang="en-US" baseline="0" dirty="0" smtClean="0"/>
-              <a:t>Plot number of variants across 20 genes per individual (</a:t>
-            </a:r>
-            <a:r>
-              <a:rPr lang="en-US" baseline="0" dirty="0" err="1" smtClean="0"/>
-              <a:t>Hist</a:t>
-            </a:r>
-            <a:r>
-              <a:rPr lang="en-US" baseline="0" dirty="0" smtClean="0"/>
-              <a:t>)</a:t>
-            </a:r>
-          </a:p>
-          <a:p>
-            <a:r>
-              <a:rPr lang="en-US" baseline="0" dirty="0" smtClean="0"/>
-              <a:t>Plot </a:t>
-            </a:r>
-            <a:r>
-              <a:rPr lang="en-US" baseline="0" dirty="0" err="1" smtClean="0"/>
-              <a:t>barplot</a:t>
-            </a:r>
-            <a:r>
-              <a:rPr lang="en-US" baseline="0" dirty="0" smtClean="0"/>
-              <a:t> of individuals who have a variant in each gene, </a:t>
-            </a:r>
-            <a:r>
-              <a:rPr lang="en-US" baseline="0" dirty="0" err="1" smtClean="0"/>
-              <a:t>rv</a:t>
-            </a:r>
-            <a:r>
-              <a:rPr lang="en-US" baseline="0" dirty="0" smtClean="0"/>
-              <a:t> </a:t>
-            </a:r>
-            <a:r>
-              <a:rPr lang="en-US" baseline="0" dirty="0" err="1" smtClean="0"/>
-              <a:t>desc</a:t>
-            </a:r>
-            <a:r>
-              <a:rPr lang="en-US" baseline="0" dirty="0" smtClean="0"/>
-              <a:t> </a:t>
-            </a:r>
-            <a:r>
-              <a:rPr lang="en-US" baseline="0" dirty="0" err="1" smtClean="0"/>
-              <a:t>frac</a:t>
-            </a:r>
-            <a:r>
-              <a:rPr lang="en-US" baseline="0" dirty="0" smtClean="0"/>
-              <a:t> of genes by gene</a:t>
-            </a:r>
-          </a:p>
-          <a:p>
-            <a:r>
-              <a:rPr lang="en-US" baseline="0" dirty="0" smtClean="0"/>
-              <a:t>Table (gene specific) for ASW, CEU, YRI columns and genes </a:t>
-            </a:r>
-          </a:p>
-          <a:p>
-            <a:endParaRPr lang="en-US" baseline="0" dirty="0" smtClean="0"/>
+            <a:endParaRPr lang="en-US" dirty="0"/>
           </a:p>
         </p:txBody>
       </p:sp>
@@ -597,9 +536,9 @@
           <a:bodyPr/>
           <a:lstStyle/>
           <a:p>
-            <a:fld id="{25C42793-7F5C-AB45-B574-3F3F52858E7D}" type="slidenum">
-              <a:rPr lang="en-US" smtClean="0"/>
-              <a:t>1</a:t>
+            <a:fld id="{0F7EF5EC-725D-DA48-9BAD-19B6E5F87FE7}" type="slidenum">
+              <a:rPr lang="en-US" smtClean="0"/>
+              <a:t>7</a:t>
             </a:fld>
             <a:endParaRPr lang="en-US"/>
           </a:p>
@@ -608,349 +547,7 @@
     </p:spTree>
     <p:extLst>
       <p:ext uri="{BB962C8B-B14F-4D97-AF65-F5344CB8AC3E}">
-        <p14:creationId xmlns:p14="http://schemas.microsoft.com/office/powerpoint/2010/main" val="1674054903"/>
-      </p:ext>
-    </p:extLst>
-  </p:cSld>
-  <p:clrMapOvr>
-    <a:masterClrMapping/>
-  </p:clrMapOvr>
-</p:notes>
-</file>
-
-<file path=ppt/notesSlides/notesSlide2.xml><?xml version="1.0" encoding="utf-8"?>
-<p:notes xmlns:a="http://schemas.openxmlformats.org/drawingml/2006/main" xmlns:r="http://schemas.openxmlformats.org/officeDocument/2006/relationships" xmlns:p="http://schemas.openxmlformats.org/presentationml/2006/main">
-  <p:cSld>
-    <p:spTree>
-      <p:nvGrpSpPr>
-        <p:cNvPr id="1" name=""/>
-        <p:cNvGrpSpPr/>
-        <p:nvPr/>
-      </p:nvGrpSpPr>
-      <p:grpSpPr>
-        <a:xfrm>
-          <a:off x="0" y="0"/>
-          <a:ext cx="0" cy="0"/>
-          <a:chOff x="0" y="0"/>
-          <a:chExt cx="0" cy="0"/>
-        </a:xfrm>
-      </p:grpSpPr>
-      <p:sp>
-        <p:nvSpPr>
-          <p:cNvPr id="2" name="Slide Image Placeholder 1"/>
-          <p:cNvSpPr>
-            <a:spLocks noGrp="1" noRot="1" noChangeAspect="1"/>
-          </p:cNvSpPr>
-          <p:nvPr>
-            <p:ph type="sldImg"/>
-          </p:nvPr>
-        </p:nvSpPr>
-        <p:spPr/>
-      </p:sp>
-      <p:sp>
-        <p:nvSpPr>
-          <p:cNvPr id="3" name="Notes Placeholder 2"/>
-          <p:cNvSpPr>
-            <a:spLocks noGrp="1"/>
-          </p:cNvSpPr>
-          <p:nvPr>
-            <p:ph type="body" idx="1"/>
-          </p:nvPr>
-        </p:nvSpPr>
-        <p:spPr/>
-        <p:txBody>
-          <a:bodyPr/>
-          <a:lstStyle/>
-          <a:p>
-            <a:r>
-              <a:rPr lang="en-US" dirty="0" smtClean="0"/>
-              <a:t>Select a real</a:t>
-            </a:r>
-            <a:r>
-              <a:rPr lang="en-US" baseline="0" dirty="0" smtClean="0"/>
-              <a:t> </a:t>
-            </a:r>
-            <a:r>
-              <a:rPr lang="en-US" baseline="0" dirty="0" err="1" smtClean="0"/>
-              <a:t>refgene</a:t>
-            </a:r>
-            <a:r>
-              <a:rPr lang="en-US" baseline="0" dirty="0" smtClean="0"/>
-              <a:t> entry (largest)</a:t>
-            </a:r>
-            <a:endParaRPr lang="en-US" dirty="0"/>
-          </a:p>
-        </p:txBody>
-      </p:sp>
-      <p:sp>
-        <p:nvSpPr>
-          <p:cNvPr id="4" name="Slide Number Placeholder 3"/>
-          <p:cNvSpPr>
-            <a:spLocks noGrp="1"/>
-          </p:cNvSpPr>
-          <p:nvPr>
-            <p:ph type="sldNum" sz="quarter" idx="10"/>
-          </p:nvPr>
-        </p:nvSpPr>
-        <p:spPr/>
-        <p:txBody>
-          <a:bodyPr/>
-          <a:lstStyle/>
-          <a:p>
-            <a:fld id="{25C42793-7F5C-AB45-B574-3F3F52858E7D}" type="slidenum">
-              <a:rPr lang="en-US" smtClean="0"/>
-              <a:t>4</a:t>
-            </a:fld>
-            <a:endParaRPr lang="en-US"/>
-          </a:p>
-        </p:txBody>
-      </p:sp>
-    </p:spTree>
-    <p:extLst>
-      <p:ext uri="{BB962C8B-B14F-4D97-AF65-F5344CB8AC3E}">
-        <p14:creationId xmlns:p14="http://schemas.microsoft.com/office/powerpoint/2010/main" val="232029380"/>
-      </p:ext>
-    </p:extLst>
-  </p:cSld>
-  <p:clrMapOvr>
-    <a:masterClrMapping/>
-  </p:clrMapOvr>
-</p:notes>
-</file>
-
-<file path=ppt/notesSlides/notesSlide3.xml><?xml version="1.0" encoding="utf-8"?>
-<p:notes xmlns:a="http://schemas.openxmlformats.org/drawingml/2006/main" xmlns:r="http://schemas.openxmlformats.org/officeDocument/2006/relationships" xmlns:p="http://schemas.openxmlformats.org/presentationml/2006/main">
-  <p:cSld>
-    <p:spTree>
-      <p:nvGrpSpPr>
-        <p:cNvPr id="1" name=""/>
-        <p:cNvGrpSpPr/>
-        <p:nvPr/>
-      </p:nvGrpSpPr>
-      <p:grpSpPr>
-        <a:xfrm>
-          <a:off x="0" y="0"/>
-          <a:ext cx="0" cy="0"/>
-          <a:chOff x="0" y="0"/>
-          <a:chExt cx="0" cy="0"/>
-        </a:xfrm>
-      </p:grpSpPr>
-      <p:sp>
-        <p:nvSpPr>
-          <p:cNvPr id="2" name="Slide Image Placeholder 1"/>
-          <p:cNvSpPr>
-            <a:spLocks noGrp="1" noRot="1" noChangeAspect="1"/>
-          </p:cNvSpPr>
-          <p:nvPr>
-            <p:ph type="sldImg"/>
-          </p:nvPr>
-        </p:nvSpPr>
-        <p:spPr/>
-      </p:sp>
-      <p:sp>
-        <p:nvSpPr>
-          <p:cNvPr id="3" name="Notes Placeholder 2"/>
-          <p:cNvSpPr>
-            <a:spLocks noGrp="1"/>
-          </p:cNvSpPr>
-          <p:nvPr>
-            <p:ph type="body" idx="1"/>
-          </p:nvPr>
-        </p:nvSpPr>
-        <p:spPr/>
-        <p:txBody>
-          <a:bodyPr/>
-          <a:lstStyle/>
-          <a:p>
-            <a:r>
-              <a:rPr lang="en-US" dirty="0" smtClean="0"/>
-              <a:t>Plot as a histogram</a:t>
-            </a:r>
-          </a:p>
-          <a:p>
-            <a:r>
-              <a:rPr lang="en-US" dirty="0" smtClean="0"/>
-              <a:t>Look</a:t>
-            </a:r>
-            <a:r>
-              <a:rPr lang="en-US" baseline="0" dirty="0" smtClean="0"/>
-              <a:t> at crappy ones; look at size distribution</a:t>
-            </a:r>
-          </a:p>
-          <a:p>
-            <a:r>
-              <a:rPr lang="en-US" baseline="0" dirty="0" smtClean="0"/>
-              <a:t>Gene level: number of variants (histogram across genes)</a:t>
-            </a:r>
-            <a:endParaRPr lang="en-US" dirty="0"/>
-          </a:p>
-        </p:txBody>
-      </p:sp>
-      <p:sp>
-        <p:nvSpPr>
-          <p:cNvPr id="4" name="Slide Number Placeholder 3"/>
-          <p:cNvSpPr>
-            <a:spLocks noGrp="1"/>
-          </p:cNvSpPr>
-          <p:nvPr>
-            <p:ph type="sldNum" sz="quarter" idx="10"/>
-          </p:nvPr>
-        </p:nvSpPr>
-        <p:spPr/>
-        <p:txBody>
-          <a:bodyPr/>
-          <a:lstStyle/>
-          <a:p>
-            <a:fld id="{25C42793-7F5C-AB45-B574-3F3F52858E7D}" type="slidenum">
-              <a:rPr lang="en-US" smtClean="0"/>
-              <a:t>6</a:t>
-            </a:fld>
-            <a:endParaRPr lang="en-US"/>
-          </a:p>
-        </p:txBody>
-      </p:sp>
-    </p:spTree>
-    <p:extLst>
-      <p:ext uri="{BB962C8B-B14F-4D97-AF65-F5344CB8AC3E}">
-        <p14:creationId xmlns:p14="http://schemas.microsoft.com/office/powerpoint/2010/main" val="931178542"/>
-      </p:ext>
-    </p:extLst>
-  </p:cSld>
-  <p:clrMapOvr>
-    <a:masterClrMapping/>
-  </p:clrMapOvr>
-</p:notes>
-</file>
-
-<file path=ppt/notesSlides/notesSlide4.xml><?xml version="1.0" encoding="utf-8"?>
-<p:notes xmlns:a="http://schemas.openxmlformats.org/drawingml/2006/main" xmlns:r="http://schemas.openxmlformats.org/officeDocument/2006/relationships" xmlns:p="http://schemas.openxmlformats.org/presentationml/2006/main">
-  <p:cSld>
-    <p:spTree>
-      <p:nvGrpSpPr>
-        <p:cNvPr id="1" name=""/>
-        <p:cNvGrpSpPr/>
-        <p:nvPr/>
-      </p:nvGrpSpPr>
-      <p:grpSpPr>
-        <a:xfrm>
-          <a:off x="0" y="0"/>
-          <a:ext cx="0" cy="0"/>
-          <a:chOff x="0" y="0"/>
-          <a:chExt cx="0" cy="0"/>
-        </a:xfrm>
-      </p:grpSpPr>
-      <p:sp>
-        <p:nvSpPr>
-          <p:cNvPr id="2" name="Slide Image Placeholder 1"/>
-          <p:cNvSpPr>
-            <a:spLocks noGrp="1" noRot="1" noChangeAspect="1"/>
-          </p:cNvSpPr>
-          <p:nvPr>
-            <p:ph type="sldImg"/>
-          </p:nvPr>
-        </p:nvSpPr>
-        <p:spPr/>
-      </p:sp>
-      <p:sp>
-        <p:nvSpPr>
-          <p:cNvPr id="3" name="Notes Placeholder 2"/>
-          <p:cNvSpPr>
-            <a:spLocks noGrp="1"/>
-          </p:cNvSpPr>
-          <p:nvPr>
-            <p:ph type="body" idx="1"/>
-          </p:nvPr>
-        </p:nvSpPr>
-        <p:spPr/>
-        <p:txBody>
-          <a:bodyPr/>
-          <a:lstStyle/>
-          <a:p>
-            <a:r>
-              <a:rPr lang="en-US" dirty="0" smtClean="0"/>
-              <a:t>Create 3 tables: </a:t>
-            </a:r>
-          </a:p>
-          <a:p>
-            <a:r>
-              <a:rPr lang="en-US" dirty="0" err="1" smtClean="0"/>
-              <a:t>ACMG_Disease</a:t>
-            </a:r>
-            <a:r>
-              <a:rPr lang="en-US" dirty="0" smtClean="0"/>
-              <a:t>:</a:t>
-            </a:r>
-            <a:r>
-              <a:rPr lang="en-US" baseline="0" dirty="0" smtClean="0"/>
-              <a:t> Disease/Gene/</a:t>
-            </a:r>
-            <a:r>
-              <a:rPr lang="en-US" baseline="0" dirty="0" err="1" smtClean="0"/>
-              <a:t>Chrom</a:t>
-            </a:r>
-            <a:r>
-              <a:rPr lang="en-US" baseline="0" dirty="0" smtClean="0"/>
-              <a:t>/Start/End/</a:t>
-            </a:r>
-            <a:r>
-              <a:rPr lang="en-US" baseline="0" dirty="0" err="1" smtClean="0"/>
-              <a:t>Refgene</a:t>
-            </a:r>
-            <a:r>
-              <a:rPr lang="en-US" baseline="0" dirty="0" smtClean="0"/>
-              <a:t> entry</a:t>
-            </a:r>
-          </a:p>
-          <a:p>
-            <a:r>
-              <a:rPr lang="en-US" baseline="0" dirty="0" err="1" smtClean="0"/>
-              <a:t>ACMG_Lit</a:t>
-            </a:r>
-            <a:r>
-              <a:rPr lang="en-US" baseline="0" dirty="0" smtClean="0"/>
-              <a:t>: Disease/</a:t>
-            </a:r>
-            <a:r>
-              <a:rPr lang="en-US" baseline="0" dirty="0" err="1" smtClean="0"/>
-              <a:t>Prev</a:t>
-            </a:r>
-            <a:r>
-              <a:rPr lang="en-US" baseline="0" dirty="0" smtClean="0"/>
-              <a:t>/Cit</a:t>
-            </a:r>
-          </a:p>
-          <a:p>
-            <a:endParaRPr lang="en-US" dirty="0"/>
-          </a:p>
-        </p:txBody>
-      </p:sp>
-      <p:sp>
-        <p:nvSpPr>
-          <p:cNvPr id="4" name="Slide Number Placeholder 3"/>
-          <p:cNvSpPr>
-            <a:spLocks noGrp="1"/>
-          </p:cNvSpPr>
-          <p:nvPr>
-            <p:ph type="sldNum" sz="quarter" idx="10"/>
-          </p:nvPr>
-        </p:nvSpPr>
-        <p:spPr/>
-        <p:txBody>
-          <a:bodyPr/>
-          <a:lstStyle/>
-          <a:p>
-            <a:fld id="{25C42793-7F5C-AB45-B574-3F3F52858E7D}" type="slidenum">
-              <a:rPr lang="en-US" smtClean="0"/>
-              <a:t>7</a:t>
-            </a:fld>
-            <a:endParaRPr lang="en-US"/>
-          </a:p>
-        </p:txBody>
-      </p:sp>
-    </p:spTree>
-    <p:extLst>
-      <p:ext uri="{BB962C8B-B14F-4D97-AF65-F5344CB8AC3E}">
-        <p14:creationId xmlns:p14="http://schemas.microsoft.com/office/powerpoint/2010/main" val="1677310203"/>
+        <p14:creationId xmlns:p14="http://schemas.microsoft.com/office/powerpoint/2010/main" val="124155096"/>
       </p:ext>
     </p:extLst>
   </p:cSld>
@@ -1091,7 +688,7 @@
           <a:p>
             <a:fld id="{37E85EBA-DE43-344A-A9E1-E1529C36B503}" type="datetimeFigureOut">
               <a:rPr lang="en-US" smtClean="0"/>
-              <a:t>7/12/16</a:t>
+              <a:t>7/13/16</a:t>
             </a:fld>
             <a:endParaRPr lang="en-US"/>
           </a:p>
@@ -1261,7 +858,7 @@
           <a:p>
             <a:fld id="{37E85EBA-DE43-344A-A9E1-E1529C36B503}" type="datetimeFigureOut">
               <a:rPr lang="en-US" smtClean="0"/>
-              <a:t>7/12/16</a:t>
+              <a:t>7/13/16</a:t>
             </a:fld>
             <a:endParaRPr lang="en-US"/>
           </a:p>
@@ -1441,7 +1038,7 @@
           <a:p>
             <a:fld id="{37E85EBA-DE43-344A-A9E1-E1529C36B503}" type="datetimeFigureOut">
               <a:rPr lang="en-US" smtClean="0"/>
-              <a:t>7/12/16</a:t>
+              <a:t>7/13/16</a:t>
             </a:fld>
             <a:endParaRPr lang="en-US"/>
           </a:p>
@@ -1611,7 +1208,7 @@
           <a:p>
             <a:fld id="{37E85EBA-DE43-344A-A9E1-E1529C36B503}" type="datetimeFigureOut">
               <a:rPr lang="en-US" smtClean="0"/>
-              <a:t>7/12/16</a:t>
+              <a:t>7/13/16</a:t>
             </a:fld>
             <a:endParaRPr lang="en-US"/>
           </a:p>
@@ -1857,7 +1454,7 @@
           <a:p>
             <a:fld id="{37E85EBA-DE43-344A-A9E1-E1529C36B503}" type="datetimeFigureOut">
               <a:rPr lang="en-US" smtClean="0"/>
-              <a:t>7/12/16</a:t>
+              <a:t>7/13/16</a:t>
             </a:fld>
             <a:endParaRPr lang="en-US"/>
           </a:p>
@@ -2089,7 +1686,7 @@
           <a:p>
             <a:fld id="{37E85EBA-DE43-344A-A9E1-E1529C36B503}" type="datetimeFigureOut">
               <a:rPr lang="en-US" smtClean="0"/>
-              <a:t>7/12/16</a:t>
+              <a:t>7/13/16</a:t>
             </a:fld>
             <a:endParaRPr lang="en-US"/>
           </a:p>
@@ -2456,7 +2053,7 @@
           <a:p>
             <a:fld id="{37E85EBA-DE43-344A-A9E1-E1529C36B503}" type="datetimeFigureOut">
               <a:rPr lang="en-US" smtClean="0"/>
-              <a:t>7/12/16</a:t>
+              <a:t>7/13/16</a:t>
             </a:fld>
             <a:endParaRPr lang="en-US"/>
           </a:p>
@@ -2574,7 +2171,7 @@
           <a:p>
             <a:fld id="{37E85EBA-DE43-344A-A9E1-E1529C36B503}" type="datetimeFigureOut">
               <a:rPr lang="en-US" smtClean="0"/>
-              <a:t>7/12/16</a:t>
+              <a:t>7/13/16</a:t>
             </a:fld>
             <a:endParaRPr lang="en-US"/>
           </a:p>
@@ -2669,7 +2266,7 @@
           <a:p>
             <a:fld id="{37E85EBA-DE43-344A-A9E1-E1529C36B503}" type="datetimeFigureOut">
               <a:rPr lang="en-US" smtClean="0"/>
-              <a:t>7/12/16</a:t>
+              <a:t>7/13/16</a:t>
             </a:fld>
             <a:endParaRPr lang="en-US"/>
           </a:p>
@@ -2946,7 +2543,7 @@
           <a:p>
             <a:fld id="{37E85EBA-DE43-344A-A9E1-E1529C36B503}" type="datetimeFigureOut">
               <a:rPr lang="en-US" smtClean="0"/>
-              <a:t>7/12/16</a:t>
+              <a:t>7/13/16</a:t>
             </a:fld>
             <a:endParaRPr lang="en-US"/>
           </a:p>
@@ -3199,7 +2796,7 @@
           <a:p>
             <a:fld id="{37E85EBA-DE43-344A-A9E1-E1529C36B503}" type="datetimeFigureOut">
               <a:rPr lang="en-US" smtClean="0"/>
-              <a:t>7/12/16</a:t>
+              <a:t>7/13/16</a:t>
             </a:fld>
             <a:endParaRPr lang="en-US"/>
           </a:p>
@@ -3412,7 +3009,7 @@
           <a:p>
             <a:fld id="{37E85EBA-DE43-344A-A9E1-E1529C36B503}" type="datetimeFigureOut">
               <a:rPr lang="en-US" smtClean="0"/>
-              <a:t>7/12/16</a:t>
+              <a:t>7/13/16</a:t>
             </a:fld>
             <a:endParaRPr lang="en-US"/>
           </a:p>
@@ -3824,7 +3421,7 @@
             <a:spLocks noGrp="1"/>
           </p:cNvSpPr>
           <p:nvPr>
-            <p:ph type="title"/>
+            <p:ph type="ctrTitle"/>
           </p:nvPr>
         </p:nvSpPr>
         <p:spPr/>
@@ -3833,25 +3430,21 @@
           <a:lstStyle/>
           <a:p>
             <a:r>
-              <a:rPr lang="en-US" b="1" dirty="0" smtClean="0"/>
-              <a:t>Ubuntu: Downloaded R and </a:t>
-            </a:r>
-            <a:r>
-              <a:rPr lang="en-US" b="1" dirty="0" err="1" smtClean="0"/>
-              <a:t>tabix</a:t>
-            </a:r>
-            <a:endParaRPr lang="en-US" b="1" dirty="0"/>
-          </a:p>
-        </p:txBody>
-      </p:sp>
-      <p:sp>
-        <p:nvSpPr>
-          <p:cNvPr id="3" name="Content Placeholder 2"/>
-          <p:cNvSpPr>
-            <a:spLocks noGrp="1"/>
-          </p:cNvSpPr>
-          <p:nvPr>
-            <p:ph idx="1"/>
+              <a:rPr lang="en-US" dirty="0" smtClean="0"/>
+              <a:t>Update 7/13/2016</a:t>
+            </a:r>
+            <a:endParaRPr lang="en-US" dirty="0"/>
+          </a:p>
+        </p:txBody>
+      </p:sp>
+      <p:sp>
+        <p:nvSpPr>
+          <p:cNvPr id="3" name="Subtitle 2"/>
+          <p:cNvSpPr>
+            <a:spLocks noGrp="1"/>
+          </p:cNvSpPr>
+          <p:nvPr>
+            <p:ph type="subTitle" idx="1"/>
           </p:nvPr>
         </p:nvSpPr>
         <p:spPr/>
@@ -3861,58 +3454,8 @@
           <a:p>
             <a:r>
               <a:rPr lang="en-US" dirty="0" smtClean="0"/>
-              <a:t>Takes up 7GB, around 7 GB remaining</a:t>
-            </a:r>
-          </a:p>
-          <a:p>
-            <a:r>
-              <a:rPr lang="en-US" dirty="0" smtClean="0"/>
-              <a:t>Confirmed: R opens properly</a:t>
-            </a:r>
-          </a:p>
-          <a:p>
-            <a:r>
-              <a:rPr lang="en-US" dirty="0" smtClean="0"/>
-              <a:t>Confirmed: </a:t>
-            </a:r>
-            <a:r>
-              <a:rPr lang="en-US" dirty="0" err="1" smtClean="0"/>
-              <a:t>tabix</a:t>
-            </a:r>
-            <a:r>
-              <a:rPr lang="en-US" dirty="0" smtClean="0"/>
-              <a:t> works properly with </a:t>
-            </a:r>
-            <a:r>
-              <a:rPr lang="en-US" dirty="0" err="1" smtClean="0"/>
-              <a:t>vcf</a:t>
-            </a:r>
-            <a:r>
-              <a:rPr lang="en-US" dirty="0" smtClean="0"/>
-              <a:t>-subset and </a:t>
-            </a:r>
-            <a:r>
-              <a:rPr lang="en-US" dirty="0" err="1" smtClean="0"/>
-              <a:t>bgzip</a:t>
-            </a:r>
-            <a:r>
-              <a:rPr lang="en-US" dirty="0" smtClean="0"/>
-              <a:t>. </a:t>
-            </a:r>
-          </a:p>
-          <a:p>
-            <a:r>
-              <a:rPr lang="en-US" dirty="0" smtClean="0"/>
-              <a:t>Unsure about anaconda: seems like a much larger file. </a:t>
-            </a:r>
-          </a:p>
-          <a:p>
-            <a:endParaRPr lang="en-US" dirty="0" smtClean="0"/>
-          </a:p>
-          <a:p>
-            <a:endParaRPr lang="en-US" dirty="0" smtClean="0"/>
-          </a:p>
-          <a:p>
+              <a:t>JAMES DIAO</a:t>
+            </a:r>
             <a:endParaRPr lang="en-US" dirty="0"/>
           </a:p>
         </p:txBody>
@@ -3920,24 +3463,17 @@
     </p:spTree>
     <p:extLst>
       <p:ext uri="{BB962C8B-B14F-4D97-AF65-F5344CB8AC3E}">
-        <p14:creationId xmlns:p14="http://schemas.microsoft.com/office/powerpoint/2010/main" val="793954302"/>
+        <p14:creationId xmlns:p14="http://schemas.microsoft.com/office/powerpoint/2010/main" val="2129872132"/>
       </p:ext>
     </p:extLst>
   </p:cSld>
   <p:clrMapOvr>
     <a:masterClrMapping/>
   </p:clrMapOvr>
-  <p:timing>
-    <p:tnLst>
-      <p:par>
-        <p:cTn id="1" dur="indefinite" restart="never" nodeType="tmRoot"/>
-      </p:par>
-    </p:tnLst>
-  </p:timing>
 </p:sld>
 </file>
 
-<file path=ppt/slides/slide10.xml><?xml version="1.0" encoding="utf-8"?>
+<file path=ppt/slides/slide2.xml><?xml version="1.0" encoding="utf-8"?>
 <p:sld xmlns:a="http://schemas.openxmlformats.org/drawingml/2006/main" xmlns:r="http://schemas.openxmlformats.org/officeDocument/2006/relationships" xmlns:p="http://schemas.openxmlformats.org/presentationml/2006/main">
   <p:cSld>
     <p:spTree>
@@ -3971,7 +3507,19 @@
           <a:p>
             <a:r>
               <a:rPr lang="en-US" dirty="0" smtClean="0"/>
-              <a:t>Correlations as histogram</a:t>
+              <a:t>1000G-ExAC AF C</a:t>
+            </a:r>
+            <a:r>
+              <a:rPr lang="en-US" dirty="0" smtClean="0"/>
+              <a:t>orrelations </a:t>
+            </a:r>
+            <a:r>
+              <a:rPr lang="en-US" dirty="0" smtClean="0"/>
+              <a:t>as </a:t>
+            </a:r>
+            <a:r>
+              <a:rPr lang="en-US" dirty="0" smtClean="0"/>
+              <a:t>Histogram</a:t>
             </a:r>
             <a:endParaRPr lang="en-US" dirty="0"/>
           </a:p>
@@ -3993,7 +3541,7 @@
         </p:blipFill>
         <p:spPr>
           <a:xfrm>
-            <a:off x="1049867" y="1432830"/>
+            <a:off x="1061156" y="1690688"/>
             <a:ext cx="7924800" cy="3930098"/>
           </a:xfrm>
           <a:prstGeom prst="rect">
@@ -4014,7 +3562,7 @@
 </p:sld>
 </file>
 
-<file path=ppt/slides/slide11.xml><?xml version="1.0" encoding="utf-8"?>
+<file path=ppt/slides/slide3.xml><?xml version="1.0" encoding="utf-8"?>
 <p:sld xmlns:a="http://schemas.openxmlformats.org/drawingml/2006/main" xmlns:r="http://schemas.openxmlformats.org/officeDocument/2006/relationships" xmlns:p="http://schemas.openxmlformats.org/presentationml/2006/main">
   <p:cSld>
     <p:spTree>
@@ -4041,23 +3589,16 @@
             <p:ph type="title"/>
           </p:nvPr>
         </p:nvSpPr>
-        <p:spPr>
-          <a:xfrm>
-            <a:off x="838200" y="275915"/>
-            <a:ext cx="10515600" cy="1325563"/>
-          </a:xfrm>
-        </p:spPr>
-        <p:txBody>
-          <a:bodyPr>
-            <a:normAutofit/>
-          </a:bodyPr>
-          <a:lstStyle/>
-          <a:p>
-            <a:r>
-              <a:rPr lang="en-US" sz="4800" dirty="0" smtClean="0"/>
-              <a:t>Questions about Collecting Prevalence</a:t>
-            </a:r>
-            <a:endParaRPr lang="en-US" sz="4800" dirty="0"/>
+        <p:spPr/>
+        <p:txBody>
+          <a:bodyPr/>
+          <a:lstStyle/>
+          <a:p>
+            <a:r>
+              <a:rPr lang="en-US" dirty="0" smtClean="0"/>
+              <a:t>1000G: Selected Gene Region</a:t>
+            </a:r>
+            <a:endParaRPr lang="en-US" dirty="0"/>
           </a:p>
         </p:txBody>
       </p:sp>
@@ -4071,95 +3612,153 @@
             <p:ph idx="1"/>
           </p:nvPr>
         </p:nvSpPr>
-        <p:spPr>
-          <a:xfrm>
-            <a:off x="628650" y="1601478"/>
-            <a:ext cx="10934700" cy="4351338"/>
-          </a:xfrm>
-        </p:spPr>
-        <p:txBody>
-          <a:bodyPr>
-            <a:noAutofit/>
-          </a:bodyPr>
-          <a:lstStyle/>
-          <a:p>
-            <a:r>
-              <a:rPr lang="en-US" sz="3600" dirty="0" smtClean="0"/>
-              <a:t>Point estimate of prevalence from multiple reports </a:t>
-            </a:r>
-            <a:br>
-              <a:rPr lang="en-US" sz="3600" dirty="0" smtClean="0"/>
-            </a:br>
-            <a:r>
-              <a:rPr lang="en-US" sz="3600" dirty="0" smtClean="0"/>
-              <a:t>(e.g. 1:5,000 and 1:100,000)</a:t>
+        <p:spPr/>
+        <p:txBody>
+          <a:bodyPr/>
+          <a:lstStyle/>
+          <a:p>
+            <a:r>
+              <a:rPr lang="en-US" dirty="0" smtClean="0"/>
+              <a:t>Choosing </a:t>
+            </a:r>
+            <a:r>
+              <a:rPr lang="en-US" dirty="0" err="1" smtClean="0"/>
+              <a:t>tabix</a:t>
+            </a:r>
+            <a:r>
+              <a:rPr lang="en-US" dirty="0" smtClean="0"/>
+              <a:t> region: </a:t>
             </a:r>
           </a:p>
           <a:p>
             <a:pPr lvl="1"/>
             <a:r>
-              <a:rPr lang="en-US" sz="3200" dirty="0" smtClean="0"/>
-              <a:t>Arithmetic mean seems like it would overestimate.</a:t>
+              <a:rPr lang="en-US" dirty="0" smtClean="0"/>
+              <a:t>Before: min(</a:t>
+            </a:r>
+            <a:r>
+              <a:rPr lang="en-US" dirty="0" err="1" smtClean="0"/>
+              <a:t>txstart</a:t>
+            </a:r>
+            <a:r>
+              <a:rPr lang="en-US" dirty="0" smtClean="0"/>
+              <a:t>) – max(</a:t>
+            </a:r>
+            <a:r>
+              <a:rPr lang="en-US" dirty="0" err="1" smtClean="0"/>
+              <a:t>txend</a:t>
+            </a:r>
+            <a:r>
+              <a:rPr lang="en-US" dirty="0" smtClean="0"/>
+              <a:t>)</a:t>
             </a:r>
           </a:p>
           <a:p>
             <a:pPr lvl="1"/>
             <a:r>
-              <a:rPr lang="en-US" sz="3200" dirty="0" smtClean="0"/>
-              <a:t>Geometric mean might work pretty well (~22,360)</a:t>
-            </a:r>
-            <a:br>
-              <a:rPr lang="en-US" sz="3200" dirty="0" smtClean="0"/>
-            </a:br>
-            <a:r>
-              <a:rPr lang="en-US" sz="3200" dirty="0" smtClean="0"/>
-              <a:t>(bounded; effectively averaging some log function)</a:t>
-            </a:r>
-            <a:endParaRPr lang="en-US" sz="3200" dirty="0" smtClean="0"/>
-          </a:p>
-          <a:p>
-            <a:pPr lvl="1"/>
-            <a:r>
-              <a:rPr lang="en-US" sz="3200" dirty="0" smtClean="0"/>
-              <a:t>Alternatively, report a range for now. </a:t>
-            </a:r>
-          </a:p>
-          <a:p>
-            <a:r>
-              <a:rPr lang="en-US" sz="3600" dirty="0" smtClean="0"/>
-              <a:t>Going to original study, or general site?</a:t>
-            </a:r>
-          </a:p>
-          <a:p>
-            <a:r>
-              <a:rPr lang="en-US" sz="3600" dirty="0" smtClean="0"/>
-              <a:t>Studies may be old, geographically limited.</a:t>
-            </a:r>
-          </a:p>
-          <a:p>
-            <a:pPr lvl="1"/>
-            <a:r>
-              <a:rPr lang="en-US" sz="3200" dirty="0"/>
-              <a:t>I</a:t>
-            </a:r>
-            <a:r>
-              <a:rPr lang="en-US" sz="3200" dirty="0" smtClean="0"/>
-              <a:t>nclude relevant place and date?</a:t>
+              <a:rPr lang="en-US" dirty="0" smtClean="0"/>
+              <a:t>Now: max(range</a:t>
+            </a:r>
+          </a:p>
+          <a:p>
+            <a:pPr marL="228600" lvl="1">
+              <a:spcBef>
+                <a:spcPts val="1000"/>
+              </a:spcBef>
+            </a:pPr>
+            <a:r>
+              <a:rPr lang="en-US" sz="2800" dirty="0"/>
+              <a:t>Note: different </a:t>
+            </a:r>
+            <a:r>
+              <a:rPr lang="en-US" sz="2800" dirty="0" err="1"/>
+              <a:t>refGene</a:t>
+            </a:r>
+            <a:r>
+              <a:rPr lang="en-US" sz="2800" dirty="0"/>
+              <a:t> IDs </a:t>
+            </a:r>
+            <a:r>
+              <a:rPr lang="en-US" sz="2800" dirty="0" smtClean="0"/>
+              <a:t>often have </a:t>
+            </a:r>
+            <a:r>
+              <a:rPr lang="en-US" sz="2800" dirty="0"/>
+              <a:t>the exact same </a:t>
+            </a:r>
+            <a:r>
+              <a:rPr lang="en-US" sz="2800" dirty="0" err="1" smtClean="0"/>
+              <a:t>txstart</a:t>
+            </a:r>
+            <a:r>
+              <a:rPr lang="en-US" sz="2800" dirty="0" smtClean="0"/>
+              <a:t>/</a:t>
+            </a:r>
+            <a:r>
+              <a:rPr lang="en-US" sz="2800" dirty="0" err="1" smtClean="0"/>
+              <a:t>txend</a:t>
+            </a:r>
+            <a:r>
+              <a:rPr lang="en-US" sz="2800" dirty="0" smtClean="0"/>
+              <a:t> – I </a:t>
+            </a:r>
+            <a:r>
+              <a:rPr lang="en-US" sz="2800" dirty="0"/>
+              <a:t>just pick the first one</a:t>
+            </a:r>
+            <a:r>
+              <a:rPr lang="en-US" sz="2800" dirty="0" smtClean="0"/>
+              <a:t>.</a:t>
             </a:r>
             <a:endParaRPr lang="en-US" sz="2800" dirty="0" smtClean="0"/>
           </a:p>
           <a:p>
-            <a:endParaRPr lang="en-US" sz="3600" dirty="0" smtClean="0"/>
-          </a:p>
-          <a:p>
-            <a:endParaRPr lang="en-US" sz="3600" dirty="0"/>
+            <a:r>
+              <a:rPr lang="en-US" dirty="0" smtClean="0"/>
+              <a:t>Question: which table do I add </a:t>
+            </a:r>
+            <a:r>
+              <a:rPr lang="en-US" dirty="0" err="1" smtClean="0"/>
+              <a:t>txstart</a:t>
+            </a:r>
+            <a:r>
+              <a:rPr lang="en-US" dirty="0" smtClean="0"/>
+              <a:t>/</a:t>
+            </a:r>
+            <a:r>
+              <a:rPr lang="en-US" dirty="0" err="1" smtClean="0"/>
+              <a:t>txend</a:t>
+            </a:r>
+            <a:r>
+              <a:rPr lang="en-US" dirty="0" smtClean="0"/>
+              <a:t>/</a:t>
+            </a:r>
+            <a:r>
+              <a:rPr lang="en-US" dirty="0" err="1" smtClean="0"/>
+              <a:t>refGene_ID</a:t>
+            </a:r>
+            <a:r>
+              <a:rPr lang="en-US" dirty="0" smtClean="0"/>
+              <a:t> columns </a:t>
+            </a:r>
+            <a:r>
+              <a:rPr lang="en-US" dirty="0" smtClean="0"/>
+              <a:t>to</a:t>
+            </a:r>
+            <a:r>
+              <a:rPr lang="en-US" dirty="0" smtClean="0"/>
+              <a:t>?</a:t>
+            </a:r>
+          </a:p>
+          <a:p>
+            <a:endParaRPr lang="en-US" dirty="0"/>
           </a:p>
         </p:txBody>
       </p:sp>
     </p:spTree>
     <p:extLst>
       <p:ext uri="{BB962C8B-B14F-4D97-AF65-F5344CB8AC3E}">
-        <p14:creationId xmlns:p14="http://schemas.microsoft.com/office/powerpoint/2010/main" val="1658028395"/>
+        <p14:creationId xmlns:p14="http://schemas.microsoft.com/office/powerpoint/2010/main" val="1247042325"/>
       </p:ext>
     </p:extLst>
   </p:cSld>
@@ -4169,7 +3768,7 @@
 </p:sld>
 </file>
 
-<file path=ppt/slides/slide12.xml><?xml version="1.0" encoding="utf-8"?>
+<file path=ppt/slides/slide4.xml><?xml version="1.0" encoding="utf-8"?>
 <p:sld xmlns:a="http://schemas.openxmlformats.org/drawingml/2006/main" xmlns:r="http://schemas.openxmlformats.org/officeDocument/2006/relationships" xmlns:p="http://schemas.openxmlformats.org/presentationml/2006/main">
   <p:cSld>
     <p:spTree>
@@ -4196,66 +3795,14 @@
             <p:ph type="title"/>
           </p:nvPr>
         </p:nvSpPr>
-        <p:spPr>
-          <a:xfrm>
-            <a:off x="880534" y="183363"/>
-            <a:ext cx="10515600" cy="1325563"/>
-          </a:xfrm>
-        </p:spPr>
+        <p:spPr/>
         <p:txBody>
           <a:bodyPr/>
           <a:lstStyle/>
           <a:p>
             <a:r>
               <a:rPr lang="en-US" dirty="0" smtClean="0"/>
-              <a:t>SQL Tables</a:t>
-            </a:r>
-            <a:endParaRPr lang="en-US" dirty="0"/>
-          </a:p>
-        </p:txBody>
-      </p:sp>
-      <p:sp>
-        <p:nvSpPr>
-          <p:cNvPr id="3" name="Content Placeholder 2"/>
-          <p:cNvSpPr>
-            <a:spLocks noGrp="1"/>
-          </p:cNvSpPr>
-          <p:nvPr>
-            <p:ph idx="1"/>
-          </p:nvPr>
-        </p:nvSpPr>
-        <p:spPr>
-          <a:xfrm>
-            <a:off x="838200" y="1403354"/>
-            <a:ext cx="10515600" cy="4351338"/>
-          </a:xfrm>
-        </p:spPr>
-        <p:txBody>
-          <a:bodyPr/>
-          <a:lstStyle/>
-          <a:p>
-            <a:r>
-              <a:rPr lang="en-US" dirty="0" err="1" smtClean="0"/>
-              <a:t>ACMG_Variant</a:t>
-            </a:r>
-            <a:endParaRPr lang="en-US" dirty="0" smtClean="0"/>
-          </a:p>
-          <a:p>
-            <a:endParaRPr lang="en-US" dirty="0"/>
-          </a:p>
-          <a:p>
-            <a:endParaRPr lang="en-US" dirty="0" smtClean="0"/>
-          </a:p>
-          <a:p>
-            <a:endParaRPr lang="en-US" dirty="0" smtClean="0"/>
-          </a:p>
-          <a:p>
-            <a:endParaRPr lang="en-US" dirty="0"/>
-          </a:p>
-          <a:p>
-            <a:r>
-              <a:rPr lang="en-US" dirty="0" err="1" smtClean="0"/>
-              <a:t>ACMG_Disease</a:t>
+              <a:t>1000G ACMG Variants per Patient</a:t>
             </a:r>
             <a:endParaRPr lang="en-US" dirty="0"/>
           </a:p>
@@ -4263,11 +3810,13 @@
       </p:sp>
       <p:pic>
         <p:nvPicPr>
-          <p:cNvPr id="5" name="Picture 4"/>
+          <p:cNvPr id="4" name="Content Placeholder 3"/>
           <p:cNvPicPr>
-            <a:picLocks noChangeAspect="1"/>
+            <a:picLocks noGrp="1" noChangeAspect="1"/>
           </p:cNvPicPr>
-          <p:nvPr/>
+          <p:nvPr>
+            <p:ph idx="1"/>
+          </p:nvPr>
         </p:nvPicPr>
         <p:blipFill>
           <a:blip r:embed="rId2"/>
@@ -4277,38 +3826,342 @@
         </p:blipFill>
         <p:spPr>
           <a:xfrm>
-            <a:off x="3711222" y="4005085"/>
-            <a:ext cx="7044266" cy="2283883"/>
+            <a:off x="1730022" y="1927754"/>
+            <a:ext cx="6793089" cy="3815813"/>
           </a:xfrm>
           <a:prstGeom prst="rect">
             <a:avLst/>
           </a:prstGeom>
         </p:spPr>
       </p:pic>
+    </p:spTree>
+    <p:extLst>
+      <p:ext uri="{BB962C8B-B14F-4D97-AF65-F5344CB8AC3E}">
+        <p14:creationId xmlns:p14="http://schemas.microsoft.com/office/powerpoint/2010/main" val="1337119794"/>
+      </p:ext>
+    </p:extLst>
+  </p:cSld>
+  <p:clrMapOvr>
+    <a:masterClrMapping/>
+  </p:clrMapOvr>
+</p:sld>
+</file>
+
+<file path=ppt/slides/slide5.xml><?xml version="1.0" encoding="utf-8"?>
+<p:sld xmlns:a="http://schemas.openxmlformats.org/drawingml/2006/main" xmlns:r="http://schemas.openxmlformats.org/officeDocument/2006/relationships" xmlns:p="http://schemas.openxmlformats.org/presentationml/2006/main">
+  <p:cSld>
+    <p:spTree>
+      <p:nvGrpSpPr>
+        <p:cNvPr id="1" name=""/>
+        <p:cNvGrpSpPr/>
+        <p:nvPr/>
+      </p:nvGrpSpPr>
+      <p:grpSpPr>
+        <a:xfrm>
+          <a:off x="0" y="0"/>
+          <a:ext cx="0" cy="0"/>
+          <a:chOff x="0" y="0"/>
+          <a:chExt cx="0" cy="0"/>
+        </a:xfrm>
+      </p:grpSpPr>
+      <p:sp>
+        <p:nvSpPr>
+          <p:cNvPr id="2" name="Title 1"/>
+          <p:cNvSpPr>
+            <a:spLocks noGrp="1"/>
+          </p:cNvSpPr>
+          <p:nvPr>
+            <p:ph type="title"/>
+          </p:nvPr>
+        </p:nvSpPr>
+        <p:spPr>
+          <a:xfrm>
+            <a:off x="567267" y="398991"/>
+            <a:ext cx="9434689" cy="1113719"/>
+          </a:xfrm>
+        </p:spPr>
+        <p:txBody>
+          <a:bodyPr/>
+          <a:lstStyle/>
+          <a:p>
+            <a:r>
+              <a:rPr lang="en-US" dirty="0" err="1" smtClean="0"/>
+              <a:t>PopulationVariantStatus</a:t>
+            </a:r>
+            <a:endParaRPr lang="en-US" dirty="0"/>
+          </a:p>
+        </p:txBody>
+      </p:sp>
       <p:pic>
         <p:nvPicPr>
-          <p:cNvPr id="6" name="Picture 5"/>
+          <p:cNvPr id="4" name="Content Placeholder 3"/>
           <p:cNvPicPr>
-            <a:picLocks noChangeAspect="1"/>
+            <a:picLocks noGrp="1" noChangeAspect="1"/>
           </p:cNvPicPr>
-          <p:nvPr/>
+          <p:nvPr>
+            <p:ph idx="1"/>
+          </p:nvPr>
         </p:nvPicPr>
         <p:blipFill>
-          <a:blip r:embed="rId3"/>
+          <a:blip r:embed="rId2"/>
           <a:stretch>
             <a:fillRect/>
           </a:stretch>
         </p:blipFill>
         <p:spPr>
           <a:xfrm>
-            <a:off x="3711223" y="1403354"/>
-            <a:ext cx="4814710" cy="2222850"/>
+            <a:off x="720374" y="1512710"/>
+            <a:ext cx="4432300" cy="3390900"/>
           </a:xfrm>
           <a:prstGeom prst="rect">
             <a:avLst/>
           </a:prstGeom>
         </p:spPr>
       </p:pic>
+      <p:sp>
+        <p:nvSpPr>
+          <p:cNvPr id="5" name="Title 1"/>
+          <p:cNvSpPr txBox="1">
+            <a:spLocks/>
+          </p:cNvSpPr>
+          <p:nvPr/>
+        </p:nvSpPr>
+        <p:spPr>
+          <a:xfrm>
+            <a:off x="7408335" y="297392"/>
+            <a:ext cx="10515600" cy="1325563"/>
+          </a:xfrm>
+          <a:prstGeom prst="rect">
+            <a:avLst/>
+          </a:prstGeom>
+        </p:spPr>
+        <p:txBody>
+          <a:bodyPr vert="horz" lIns="91440" tIns="45720" rIns="91440" bIns="45720" rtlCol="0" anchor="ctr">
+            <a:normAutofit/>
+          </a:bodyPr>
+          <a:lstStyle>
+            <a:lvl1pPr algn="l" defTabSz="914400" rtl="0" eaLnBrk="1" latinLnBrk="0" hangingPunct="1">
+              <a:lnSpc>
+                <a:spcPct val="90000"/>
+              </a:lnSpc>
+              <a:spcBef>
+                <a:spcPct val="0"/>
+              </a:spcBef>
+              <a:buNone/>
+              <a:defRPr sz="4400" kern="1200">
+                <a:solidFill>
+                  <a:schemeClr val="tx1"/>
+                </a:solidFill>
+                <a:latin typeface="+mj-lt"/>
+                <a:ea typeface="+mj-ea"/>
+                <a:cs typeface="+mj-cs"/>
+              </a:defRPr>
+            </a:lvl1pPr>
+          </a:lstStyle>
+          <a:p>
+            <a:r>
+              <a:rPr lang="en-US" dirty="0" err="1" smtClean="0"/>
+              <a:t>RefGeneSources</a:t>
+            </a:r>
+            <a:endParaRPr lang="en-US" dirty="0"/>
+          </a:p>
+        </p:txBody>
+      </p:sp>
+      <p:pic>
+        <p:nvPicPr>
+          <p:cNvPr id="6" name="Content Placeholder 3"/>
+          <p:cNvPicPr>
+            <a:picLocks noChangeAspect="1"/>
+          </p:cNvPicPr>
+          <p:nvPr/>
+        </p:nvPicPr>
+        <p:blipFill rotWithShape="1">
+          <a:blip r:embed="rId3"/>
+          <a:srcRect t="6299"/>
+          <a:stretch/>
+        </p:blipFill>
+        <p:spPr>
+          <a:xfrm>
+            <a:off x="7487358" y="1512710"/>
+            <a:ext cx="2379133" cy="4728383"/>
+          </a:xfrm>
+          <a:prstGeom prst="rect">
+            <a:avLst/>
+          </a:prstGeom>
+        </p:spPr>
+      </p:pic>
+    </p:spTree>
+    <p:extLst>
+      <p:ext uri="{BB962C8B-B14F-4D97-AF65-F5344CB8AC3E}">
+        <p14:creationId xmlns:p14="http://schemas.microsoft.com/office/powerpoint/2010/main" val="1995537346"/>
+      </p:ext>
+    </p:extLst>
+  </p:cSld>
+  <p:clrMapOvr>
+    <a:masterClrMapping/>
+  </p:clrMapOvr>
+</p:sld>
+</file>
+
+<file path=ppt/slides/slide6.xml><?xml version="1.0" encoding="utf-8"?>
+<p:sld xmlns:a="http://schemas.openxmlformats.org/drawingml/2006/main" xmlns:r="http://schemas.openxmlformats.org/officeDocument/2006/relationships" xmlns:p="http://schemas.openxmlformats.org/presentationml/2006/main">
+  <p:cSld>
+    <p:spTree>
+      <p:nvGrpSpPr>
+        <p:cNvPr id="1" name=""/>
+        <p:cNvGrpSpPr/>
+        <p:nvPr/>
+      </p:nvGrpSpPr>
+      <p:grpSpPr>
+        <a:xfrm>
+          <a:off x="0" y="0"/>
+          <a:ext cx="0" cy="0"/>
+          <a:chOff x="0" y="0"/>
+          <a:chExt cx="0" cy="0"/>
+        </a:xfrm>
+      </p:grpSpPr>
+      <p:sp>
+        <p:nvSpPr>
+          <p:cNvPr id="2" name="Title 1"/>
+          <p:cNvSpPr>
+            <a:spLocks noGrp="1"/>
+          </p:cNvSpPr>
+          <p:nvPr>
+            <p:ph type="title"/>
+          </p:nvPr>
+        </p:nvSpPr>
+        <p:spPr/>
+        <p:txBody>
+          <a:bodyPr>
+            <a:normAutofit/>
+          </a:bodyPr>
+          <a:lstStyle/>
+          <a:p>
+            <a:r>
+              <a:rPr lang="en-US" sz="4000" dirty="0" smtClean="0"/>
+              <a:t>Fraction of individuals with a variant in each gene</a:t>
+            </a:r>
+            <a:endParaRPr lang="en-US" sz="4000" dirty="0"/>
+          </a:p>
+        </p:txBody>
+      </p:sp>
+      <p:pic>
+        <p:nvPicPr>
+          <p:cNvPr id="4" name="Content Placeholder 3"/>
+          <p:cNvPicPr>
+            <a:picLocks noGrp="1" noChangeAspect="1"/>
+          </p:cNvPicPr>
+          <p:nvPr>
+            <p:ph idx="1"/>
+          </p:nvPr>
+        </p:nvPicPr>
+        <p:blipFill>
+          <a:blip r:embed="rId2"/>
+          <a:stretch>
+            <a:fillRect/>
+          </a:stretch>
+        </p:blipFill>
+        <p:spPr>
+          <a:xfrm>
+            <a:off x="838200" y="1690688"/>
+            <a:ext cx="10515600" cy="3682606"/>
+          </a:xfrm>
+          <a:prstGeom prst="rect">
+            <a:avLst/>
+          </a:prstGeom>
+        </p:spPr>
+      </p:pic>
+    </p:spTree>
+    <p:extLst>
+      <p:ext uri="{BB962C8B-B14F-4D97-AF65-F5344CB8AC3E}">
+        <p14:creationId xmlns:p14="http://schemas.microsoft.com/office/powerpoint/2010/main" val="1097518043"/>
+      </p:ext>
+    </p:extLst>
+  </p:cSld>
+  <p:clrMapOvr>
+    <a:masterClrMapping/>
+  </p:clrMapOvr>
+</p:sld>
+</file>
+
+<file path=ppt/slides/slide7.xml><?xml version="1.0" encoding="utf-8"?>
+<p:sld xmlns:a="http://schemas.openxmlformats.org/drawingml/2006/main" xmlns:r="http://schemas.openxmlformats.org/officeDocument/2006/relationships" xmlns:p="http://schemas.openxmlformats.org/presentationml/2006/main">
+  <p:cSld>
+    <p:spTree>
+      <p:nvGrpSpPr>
+        <p:cNvPr id="1" name=""/>
+        <p:cNvGrpSpPr/>
+        <p:nvPr/>
+      </p:nvGrpSpPr>
+      <p:grpSpPr>
+        <a:xfrm>
+          <a:off x="0" y="0"/>
+          <a:ext cx="0" cy="0"/>
+          <a:chOff x="0" y="0"/>
+          <a:chExt cx="0" cy="0"/>
+        </a:xfrm>
+      </p:grpSpPr>
+      <p:sp>
+        <p:nvSpPr>
+          <p:cNvPr id="2" name="Title 1"/>
+          <p:cNvSpPr>
+            <a:spLocks noGrp="1"/>
+          </p:cNvSpPr>
+          <p:nvPr>
+            <p:ph type="title"/>
+          </p:nvPr>
+        </p:nvSpPr>
+        <p:spPr>
+          <a:xfrm>
+            <a:off x="4557888" y="111390"/>
+            <a:ext cx="10515600" cy="1325563"/>
+          </a:xfrm>
+        </p:spPr>
+        <p:txBody>
+          <a:bodyPr/>
+          <a:lstStyle/>
+          <a:p>
+            <a:r>
+              <a:rPr lang="en-US" dirty="0" smtClean="0"/>
+              <a:t>SQL Tables</a:t>
+            </a:r>
+            <a:endParaRPr lang="en-US" dirty="0"/>
+          </a:p>
+        </p:txBody>
+      </p:sp>
+      <p:sp>
+        <p:nvSpPr>
+          <p:cNvPr id="3" name="Content Placeholder 2"/>
+          <p:cNvSpPr>
+            <a:spLocks noGrp="1"/>
+          </p:cNvSpPr>
+          <p:nvPr>
+            <p:ph idx="1"/>
+          </p:nvPr>
+        </p:nvSpPr>
+        <p:spPr>
+          <a:xfrm>
+            <a:off x="1198032" y="1320797"/>
+            <a:ext cx="2978857" cy="979397"/>
+          </a:xfrm>
+        </p:spPr>
+        <p:txBody>
+          <a:bodyPr>
+            <a:normAutofit/>
+          </a:bodyPr>
+          <a:lstStyle/>
+          <a:p>
+            <a:pPr marL="0" indent="0" algn="r">
+              <a:buNone/>
+            </a:pPr>
+            <a:r>
+              <a:rPr lang="en-US" dirty="0" err="1" smtClean="0"/>
+              <a:t>ACMG_Disease</a:t>
+            </a:r>
+            <a:endParaRPr lang="en-US" dirty="0"/>
+          </a:p>
+        </p:txBody>
+      </p:sp>
       <p:cxnSp>
         <p:nvCxnSpPr>
           <p:cNvPr id="8" name="Straight Connector 7"/>
@@ -4347,7 +4200,7 @@
         </p:nvCxnSpPr>
         <p:spPr>
           <a:xfrm>
-            <a:off x="654756" y="3815644"/>
+            <a:off x="654756" y="2957689"/>
             <a:ext cx="10699044" cy="0"/>
           </a:xfrm>
           <a:prstGeom prst="line">
@@ -4369,6 +4222,499 @@
           </a:fontRef>
         </p:style>
       </p:cxnSp>
+      <p:pic>
+        <p:nvPicPr>
+          <p:cNvPr id="4" name="Picture 3"/>
+          <p:cNvPicPr>
+            <a:picLocks noChangeAspect="1"/>
+          </p:cNvPicPr>
+          <p:nvPr/>
+        </p:nvPicPr>
+        <p:blipFill rotWithShape="1">
+          <a:blip r:embed="rId3"/>
+          <a:srcRect r="31973" b="72018"/>
+          <a:stretch/>
+        </p:blipFill>
+        <p:spPr>
+          <a:xfrm>
+            <a:off x="4557889" y="1365954"/>
+            <a:ext cx="6773333" cy="1482395"/>
+          </a:xfrm>
+          <a:prstGeom prst="rect">
+            <a:avLst/>
+          </a:prstGeom>
+        </p:spPr>
+      </p:pic>
+      <p:pic>
+        <p:nvPicPr>
+          <p:cNvPr id="10" name="Picture 9"/>
+          <p:cNvPicPr>
+            <a:picLocks noChangeAspect="1"/>
+          </p:cNvPicPr>
+          <p:nvPr/>
+        </p:nvPicPr>
+        <p:blipFill rotWithShape="1">
+          <a:blip r:embed="rId3"/>
+          <a:srcRect t="33320" r="31973" b="38212"/>
+          <a:stretch/>
+        </p:blipFill>
+        <p:spPr>
+          <a:xfrm>
+            <a:off x="4557888" y="3084492"/>
+            <a:ext cx="6773333" cy="1444978"/>
+          </a:xfrm>
+          <a:prstGeom prst="rect">
+            <a:avLst/>
+          </a:prstGeom>
+        </p:spPr>
+      </p:pic>
+      <p:pic>
+        <p:nvPicPr>
+          <p:cNvPr id="11" name="Picture 10"/>
+          <p:cNvPicPr>
+            <a:picLocks noChangeAspect="1"/>
+          </p:cNvPicPr>
+          <p:nvPr/>
+        </p:nvPicPr>
+        <p:blipFill rotWithShape="1">
+          <a:blip r:embed="rId3"/>
+          <a:srcRect t="66680" r="31746"/>
+          <a:stretch/>
+        </p:blipFill>
+        <p:spPr>
+          <a:xfrm>
+            <a:off x="4557889" y="4781093"/>
+            <a:ext cx="6795911" cy="1691238"/>
+          </a:xfrm>
+          <a:prstGeom prst="rect">
+            <a:avLst/>
+          </a:prstGeom>
+        </p:spPr>
+      </p:pic>
+      <p:cxnSp>
+        <p:nvCxnSpPr>
+          <p:cNvPr id="12" name="Straight Connector 11"/>
+          <p:cNvCxnSpPr/>
+          <p:nvPr/>
+        </p:nvCxnSpPr>
+        <p:spPr>
+          <a:xfrm>
+            <a:off x="654756" y="4647315"/>
+            <a:ext cx="10699044" cy="0"/>
+          </a:xfrm>
+          <a:prstGeom prst="line">
+            <a:avLst/>
+          </a:prstGeom>
+        </p:spPr>
+        <p:style>
+          <a:lnRef idx="1">
+            <a:schemeClr val="accent1"/>
+          </a:lnRef>
+          <a:fillRef idx="0">
+            <a:schemeClr val="accent1"/>
+          </a:fillRef>
+          <a:effectRef idx="0">
+            <a:schemeClr val="accent1"/>
+          </a:effectRef>
+          <a:fontRef idx="minor">
+            <a:schemeClr val="tx1"/>
+          </a:fontRef>
+        </p:style>
+      </p:cxnSp>
+      <p:sp>
+        <p:nvSpPr>
+          <p:cNvPr id="14" name="Content Placeholder 2"/>
+          <p:cNvSpPr txBox="1">
+            <a:spLocks/>
+          </p:cNvSpPr>
+          <p:nvPr/>
+        </p:nvSpPr>
+        <p:spPr>
+          <a:xfrm>
+            <a:off x="1198032" y="3052764"/>
+            <a:ext cx="2978857" cy="979397"/>
+          </a:xfrm>
+          <a:prstGeom prst="rect">
+            <a:avLst/>
+          </a:prstGeom>
+        </p:spPr>
+        <p:txBody>
+          <a:bodyPr vert="horz" lIns="91440" tIns="45720" rIns="91440" bIns="45720" rtlCol="0">
+            <a:normAutofit/>
+          </a:bodyPr>
+          <a:lstStyle>
+            <a:lvl1pPr marL="228600" indent="-228600" algn="l" defTabSz="914400" rtl="0" eaLnBrk="1" latinLnBrk="0" hangingPunct="1">
+              <a:lnSpc>
+                <a:spcPct val="90000"/>
+              </a:lnSpc>
+              <a:spcBef>
+                <a:spcPts val="1000"/>
+              </a:spcBef>
+              <a:buFont typeface="Arial"/>
+              <a:buChar char="•"/>
+              <a:defRPr sz="2800" kern="1200">
+                <a:solidFill>
+                  <a:schemeClr val="tx1"/>
+                </a:solidFill>
+                <a:latin typeface="+mn-lt"/>
+                <a:ea typeface="+mn-ea"/>
+                <a:cs typeface="+mn-cs"/>
+              </a:defRPr>
+            </a:lvl1pPr>
+            <a:lvl2pPr marL="685800" indent="-228600" algn="l" defTabSz="914400" rtl="0" eaLnBrk="1" latinLnBrk="0" hangingPunct="1">
+              <a:lnSpc>
+                <a:spcPct val="90000"/>
+              </a:lnSpc>
+              <a:spcBef>
+                <a:spcPts val="500"/>
+              </a:spcBef>
+              <a:buFont typeface="Arial"/>
+              <a:buChar char="•"/>
+              <a:defRPr sz="2400" kern="1200">
+                <a:solidFill>
+                  <a:schemeClr val="tx1"/>
+                </a:solidFill>
+                <a:latin typeface="+mn-lt"/>
+                <a:ea typeface="+mn-ea"/>
+                <a:cs typeface="+mn-cs"/>
+              </a:defRPr>
+            </a:lvl2pPr>
+            <a:lvl3pPr marL="1143000" indent="-228600" algn="l" defTabSz="914400" rtl="0" eaLnBrk="1" latinLnBrk="0" hangingPunct="1">
+              <a:lnSpc>
+                <a:spcPct val="90000"/>
+              </a:lnSpc>
+              <a:spcBef>
+                <a:spcPts val="500"/>
+              </a:spcBef>
+              <a:buFont typeface="Arial"/>
+              <a:buChar char="•"/>
+              <a:defRPr sz="2000" kern="1200">
+                <a:solidFill>
+                  <a:schemeClr val="tx1"/>
+                </a:solidFill>
+                <a:latin typeface="+mn-lt"/>
+                <a:ea typeface="+mn-ea"/>
+                <a:cs typeface="+mn-cs"/>
+              </a:defRPr>
+            </a:lvl3pPr>
+            <a:lvl4pPr marL="1600200" indent="-228600" algn="l" defTabSz="914400" rtl="0" eaLnBrk="1" latinLnBrk="0" hangingPunct="1">
+              <a:lnSpc>
+                <a:spcPct val="90000"/>
+              </a:lnSpc>
+              <a:spcBef>
+                <a:spcPts val="500"/>
+              </a:spcBef>
+              <a:buFont typeface="Arial"/>
+              <a:buChar char="•"/>
+              <a:defRPr sz="1800" kern="1200">
+                <a:solidFill>
+                  <a:schemeClr val="tx1"/>
+                </a:solidFill>
+                <a:latin typeface="+mn-lt"/>
+                <a:ea typeface="+mn-ea"/>
+                <a:cs typeface="+mn-cs"/>
+              </a:defRPr>
+            </a:lvl4pPr>
+            <a:lvl5pPr marL="2057400" indent="-228600" algn="l" defTabSz="914400" rtl="0" eaLnBrk="1" latinLnBrk="0" hangingPunct="1">
+              <a:lnSpc>
+                <a:spcPct val="90000"/>
+              </a:lnSpc>
+              <a:spcBef>
+                <a:spcPts val="500"/>
+              </a:spcBef>
+              <a:buFont typeface="Arial"/>
+              <a:buChar char="•"/>
+              <a:defRPr sz="1800" kern="1200">
+                <a:solidFill>
+                  <a:schemeClr val="tx1"/>
+                </a:solidFill>
+                <a:latin typeface="+mn-lt"/>
+                <a:ea typeface="+mn-ea"/>
+                <a:cs typeface="+mn-cs"/>
+              </a:defRPr>
+            </a:lvl5pPr>
+            <a:lvl6pPr marL="2514600" indent="-228600" algn="l" defTabSz="914400" rtl="0" eaLnBrk="1" latinLnBrk="0" hangingPunct="1">
+              <a:lnSpc>
+                <a:spcPct val="90000"/>
+              </a:lnSpc>
+              <a:spcBef>
+                <a:spcPts val="500"/>
+              </a:spcBef>
+              <a:buFont typeface="Arial"/>
+              <a:buChar char="•"/>
+              <a:defRPr sz="1800" kern="1200">
+                <a:solidFill>
+                  <a:schemeClr val="tx1"/>
+                </a:solidFill>
+                <a:latin typeface="+mn-lt"/>
+                <a:ea typeface="+mn-ea"/>
+                <a:cs typeface="+mn-cs"/>
+              </a:defRPr>
+            </a:lvl6pPr>
+            <a:lvl7pPr marL="2971800" indent="-228600" algn="l" defTabSz="914400" rtl="0" eaLnBrk="1" latinLnBrk="0" hangingPunct="1">
+              <a:lnSpc>
+                <a:spcPct val="90000"/>
+              </a:lnSpc>
+              <a:spcBef>
+                <a:spcPts val="500"/>
+              </a:spcBef>
+              <a:buFont typeface="Arial"/>
+              <a:buChar char="•"/>
+              <a:defRPr sz="1800" kern="1200">
+                <a:solidFill>
+                  <a:schemeClr val="tx1"/>
+                </a:solidFill>
+                <a:latin typeface="+mn-lt"/>
+                <a:ea typeface="+mn-ea"/>
+                <a:cs typeface="+mn-cs"/>
+              </a:defRPr>
+            </a:lvl7pPr>
+            <a:lvl8pPr marL="3429000" indent="-228600" algn="l" defTabSz="914400" rtl="0" eaLnBrk="1" latinLnBrk="0" hangingPunct="1">
+              <a:lnSpc>
+                <a:spcPct val="90000"/>
+              </a:lnSpc>
+              <a:spcBef>
+                <a:spcPts val="500"/>
+              </a:spcBef>
+              <a:buFont typeface="Arial"/>
+              <a:buChar char="•"/>
+              <a:defRPr sz="1800" kern="1200">
+                <a:solidFill>
+                  <a:schemeClr val="tx1"/>
+                </a:solidFill>
+                <a:latin typeface="+mn-lt"/>
+                <a:ea typeface="+mn-ea"/>
+                <a:cs typeface="+mn-cs"/>
+              </a:defRPr>
+            </a:lvl8pPr>
+            <a:lvl9pPr marL="3886200" indent="-228600" algn="l" defTabSz="914400" rtl="0" eaLnBrk="1" latinLnBrk="0" hangingPunct="1">
+              <a:lnSpc>
+                <a:spcPct val="90000"/>
+              </a:lnSpc>
+              <a:spcBef>
+                <a:spcPts val="500"/>
+              </a:spcBef>
+              <a:buFont typeface="Arial"/>
+              <a:buChar char="•"/>
+              <a:defRPr sz="1800" kern="1200">
+                <a:solidFill>
+                  <a:schemeClr val="tx1"/>
+                </a:solidFill>
+                <a:latin typeface="+mn-lt"/>
+                <a:ea typeface="+mn-ea"/>
+                <a:cs typeface="+mn-cs"/>
+              </a:defRPr>
+            </a:lvl9pPr>
+          </a:lstStyle>
+          <a:p>
+            <a:pPr marL="0" indent="0" algn="r">
+              <a:buNone/>
+            </a:pPr>
+            <a:r>
+              <a:rPr lang="en-US" dirty="0" err="1" smtClean="0"/>
+              <a:t>ACMG_Variant</a:t>
+            </a:r>
+            <a:endParaRPr lang="en-US" dirty="0"/>
+          </a:p>
+        </p:txBody>
+      </p:sp>
+      <p:sp>
+        <p:nvSpPr>
+          <p:cNvPr id="15" name="Content Placeholder 2"/>
+          <p:cNvSpPr txBox="1">
+            <a:spLocks/>
+          </p:cNvSpPr>
+          <p:nvPr/>
+        </p:nvSpPr>
+        <p:spPr>
+          <a:xfrm>
+            <a:off x="1198032" y="4724657"/>
+            <a:ext cx="2978857" cy="979397"/>
+          </a:xfrm>
+          <a:prstGeom prst="rect">
+            <a:avLst/>
+          </a:prstGeom>
+        </p:spPr>
+        <p:txBody>
+          <a:bodyPr vert="horz" lIns="91440" tIns="45720" rIns="91440" bIns="45720" rtlCol="0">
+            <a:normAutofit/>
+          </a:bodyPr>
+          <a:lstStyle>
+            <a:lvl1pPr marL="228600" indent="-228600" algn="l" defTabSz="914400" rtl="0" eaLnBrk="1" latinLnBrk="0" hangingPunct="1">
+              <a:lnSpc>
+                <a:spcPct val="90000"/>
+              </a:lnSpc>
+              <a:spcBef>
+                <a:spcPts val="1000"/>
+              </a:spcBef>
+              <a:buFont typeface="Arial"/>
+              <a:buChar char="•"/>
+              <a:defRPr sz="2800" kern="1200">
+                <a:solidFill>
+                  <a:schemeClr val="tx1"/>
+                </a:solidFill>
+                <a:latin typeface="+mn-lt"/>
+                <a:ea typeface="+mn-ea"/>
+                <a:cs typeface="+mn-cs"/>
+              </a:defRPr>
+            </a:lvl1pPr>
+            <a:lvl2pPr marL="685800" indent="-228600" algn="l" defTabSz="914400" rtl="0" eaLnBrk="1" latinLnBrk="0" hangingPunct="1">
+              <a:lnSpc>
+                <a:spcPct val="90000"/>
+              </a:lnSpc>
+              <a:spcBef>
+                <a:spcPts val="500"/>
+              </a:spcBef>
+              <a:buFont typeface="Arial"/>
+              <a:buChar char="•"/>
+              <a:defRPr sz="2400" kern="1200">
+                <a:solidFill>
+                  <a:schemeClr val="tx1"/>
+                </a:solidFill>
+                <a:latin typeface="+mn-lt"/>
+                <a:ea typeface="+mn-ea"/>
+                <a:cs typeface="+mn-cs"/>
+              </a:defRPr>
+            </a:lvl2pPr>
+            <a:lvl3pPr marL="1143000" indent="-228600" algn="l" defTabSz="914400" rtl="0" eaLnBrk="1" latinLnBrk="0" hangingPunct="1">
+              <a:lnSpc>
+                <a:spcPct val="90000"/>
+              </a:lnSpc>
+              <a:spcBef>
+                <a:spcPts val="500"/>
+              </a:spcBef>
+              <a:buFont typeface="Arial"/>
+              <a:buChar char="•"/>
+              <a:defRPr sz="2000" kern="1200">
+                <a:solidFill>
+                  <a:schemeClr val="tx1"/>
+                </a:solidFill>
+                <a:latin typeface="+mn-lt"/>
+                <a:ea typeface="+mn-ea"/>
+                <a:cs typeface="+mn-cs"/>
+              </a:defRPr>
+            </a:lvl3pPr>
+            <a:lvl4pPr marL="1600200" indent="-228600" algn="l" defTabSz="914400" rtl="0" eaLnBrk="1" latinLnBrk="0" hangingPunct="1">
+              <a:lnSpc>
+                <a:spcPct val="90000"/>
+              </a:lnSpc>
+              <a:spcBef>
+                <a:spcPts val="500"/>
+              </a:spcBef>
+              <a:buFont typeface="Arial"/>
+              <a:buChar char="•"/>
+              <a:defRPr sz="1800" kern="1200">
+                <a:solidFill>
+                  <a:schemeClr val="tx1"/>
+                </a:solidFill>
+                <a:latin typeface="+mn-lt"/>
+                <a:ea typeface="+mn-ea"/>
+                <a:cs typeface="+mn-cs"/>
+              </a:defRPr>
+            </a:lvl4pPr>
+            <a:lvl5pPr marL="2057400" indent="-228600" algn="l" defTabSz="914400" rtl="0" eaLnBrk="1" latinLnBrk="0" hangingPunct="1">
+              <a:lnSpc>
+                <a:spcPct val="90000"/>
+              </a:lnSpc>
+              <a:spcBef>
+                <a:spcPts val="500"/>
+              </a:spcBef>
+              <a:buFont typeface="Arial"/>
+              <a:buChar char="•"/>
+              <a:defRPr sz="1800" kern="1200">
+                <a:solidFill>
+                  <a:schemeClr val="tx1"/>
+                </a:solidFill>
+                <a:latin typeface="+mn-lt"/>
+                <a:ea typeface="+mn-ea"/>
+                <a:cs typeface="+mn-cs"/>
+              </a:defRPr>
+            </a:lvl5pPr>
+            <a:lvl6pPr marL="2514600" indent="-228600" algn="l" defTabSz="914400" rtl="0" eaLnBrk="1" latinLnBrk="0" hangingPunct="1">
+              <a:lnSpc>
+                <a:spcPct val="90000"/>
+              </a:lnSpc>
+              <a:spcBef>
+                <a:spcPts val="500"/>
+              </a:spcBef>
+              <a:buFont typeface="Arial"/>
+              <a:buChar char="•"/>
+              <a:defRPr sz="1800" kern="1200">
+                <a:solidFill>
+                  <a:schemeClr val="tx1"/>
+                </a:solidFill>
+                <a:latin typeface="+mn-lt"/>
+                <a:ea typeface="+mn-ea"/>
+                <a:cs typeface="+mn-cs"/>
+              </a:defRPr>
+            </a:lvl6pPr>
+            <a:lvl7pPr marL="2971800" indent="-228600" algn="l" defTabSz="914400" rtl="0" eaLnBrk="1" latinLnBrk="0" hangingPunct="1">
+              <a:lnSpc>
+                <a:spcPct val="90000"/>
+              </a:lnSpc>
+              <a:spcBef>
+                <a:spcPts val="500"/>
+              </a:spcBef>
+              <a:buFont typeface="Arial"/>
+              <a:buChar char="•"/>
+              <a:defRPr sz="1800" kern="1200">
+                <a:solidFill>
+                  <a:schemeClr val="tx1"/>
+                </a:solidFill>
+                <a:latin typeface="+mn-lt"/>
+                <a:ea typeface="+mn-ea"/>
+                <a:cs typeface="+mn-cs"/>
+              </a:defRPr>
+            </a:lvl7pPr>
+            <a:lvl8pPr marL="3429000" indent="-228600" algn="l" defTabSz="914400" rtl="0" eaLnBrk="1" latinLnBrk="0" hangingPunct="1">
+              <a:lnSpc>
+                <a:spcPct val="90000"/>
+              </a:lnSpc>
+              <a:spcBef>
+                <a:spcPts val="500"/>
+              </a:spcBef>
+              <a:buFont typeface="Arial"/>
+              <a:buChar char="•"/>
+              <a:defRPr sz="1800" kern="1200">
+                <a:solidFill>
+                  <a:schemeClr val="tx1"/>
+                </a:solidFill>
+                <a:latin typeface="+mn-lt"/>
+                <a:ea typeface="+mn-ea"/>
+                <a:cs typeface="+mn-cs"/>
+              </a:defRPr>
+            </a:lvl8pPr>
+            <a:lvl9pPr marL="3886200" indent="-228600" algn="l" defTabSz="914400" rtl="0" eaLnBrk="1" latinLnBrk="0" hangingPunct="1">
+              <a:lnSpc>
+                <a:spcPct val="90000"/>
+              </a:lnSpc>
+              <a:spcBef>
+                <a:spcPts val="500"/>
+              </a:spcBef>
+              <a:buFont typeface="Arial"/>
+              <a:buChar char="•"/>
+              <a:defRPr sz="1800" kern="1200">
+                <a:solidFill>
+                  <a:schemeClr val="tx1"/>
+                </a:solidFill>
+                <a:latin typeface="+mn-lt"/>
+                <a:ea typeface="+mn-ea"/>
+                <a:cs typeface="+mn-cs"/>
+              </a:defRPr>
+            </a:lvl9pPr>
+          </a:lstStyle>
+          <a:p>
+            <a:pPr marL="0" indent="0" algn="r">
+              <a:buNone/>
+            </a:pPr>
+            <a:r>
+              <a:rPr lang="en-US" dirty="0" err="1" smtClean="0"/>
+              <a:t>ACMG_Lit</a:t>
+            </a:r>
+            <a:endParaRPr lang="en-US" dirty="0"/>
+          </a:p>
+        </p:txBody>
+      </p:sp>
     </p:spTree>
     <p:extLst>
       <p:ext uri="{BB962C8B-B14F-4D97-AF65-F5344CB8AC3E}">
@@ -4379,1634 +4725,6 @@
   <p:clrMapOvr>
     <a:masterClrMapping/>
   </p:clrMapOvr>
-</p:sld>
-</file>
-
-<file path=ppt/slides/slide13.xml><?xml version="1.0" encoding="utf-8"?>
-<p:sld xmlns:a="http://schemas.openxmlformats.org/drawingml/2006/main" xmlns:r="http://schemas.openxmlformats.org/officeDocument/2006/relationships" xmlns:p="http://schemas.openxmlformats.org/presentationml/2006/main">
-  <p:cSld>
-    <p:spTree>
-      <p:nvGrpSpPr>
-        <p:cNvPr id="1" name=""/>
-        <p:cNvGrpSpPr/>
-        <p:nvPr/>
-      </p:nvGrpSpPr>
-      <p:grpSpPr>
-        <a:xfrm>
-          <a:off x="0" y="0"/>
-          <a:ext cx="0" cy="0"/>
-          <a:chOff x="0" y="0"/>
-          <a:chExt cx="0" cy="0"/>
-        </a:xfrm>
-      </p:grpSpPr>
-      <p:sp>
-        <p:nvSpPr>
-          <p:cNvPr id="2" name="Title 1"/>
-          <p:cNvSpPr>
-            <a:spLocks noGrp="1"/>
-          </p:cNvSpPr>
-          <p:nvPr>
-            <p:ph type="title"/>
-          </p:nvPr>
-        </p:nvSpPr>
-        <p:spPr/>
-        <p:txBody>
-          <a:bodyPr/>
-          <a:lstStyle/>
-          <a:p>
-            <a:r>
-              <a:rPr lang="en-US" dirty="0" err="1" smtClean="0"/>
-              <a:t>Population_Variant_Status.txt</a:t>
-            </a:r>
-            <a:endParaRPr lang="en-US" dirty="0"/>
-          </a:p>
-        </p:txBody>
-      </p:sp>
-      <p:sp>
-        <p:nvSpPr>
-          <p:cNvPr id="3" name="Content Placeholder 2"/>
-          <p:cNvSpPr>
-            <a:spLocks noGrp="1"/>
-          </p:cNvSpPr>
-          <p:nvPr>
-            <p:ph idx="1"/>
-          </p:nvPr>
-        </p:nvSpPr>
-        <p:spPr/>
-        <p:txBody>
-          <a:bodyPr/>
-          <a:lstStyle/>
-          <a:p>
-            <a:r>
-              <a:rPr lang="en-US" dirty="0" smtClean="0"/>
-              <a:t>What about how many people have </a:t>
-            </a:r>
-            <a:r>
-              <a:rPr lang="is-IS" dirty="0" smtClean="0"/>
-              <a:t>… ?</a:t>
-            </a:r>
-            <a:endParaRPr lang="en-US" dirty="0"/>
-          </a:p>
-        </p:txBody>
-      </p:sp>
-    </p:spTree>
-    <p:extLst>
-      <p:ext uri="{BB962C8B-B14F-4D97-AF65-F5344CB8AC3E}">
-        <p14:creationId xmlns:p14="http://schemas.microsoft.com/office/powerpoint/2010/main" val="1995537346"/>
-      </p:ext>
-    </p:extLst>
-  </p:cSld>
-  <p:clrMapOvr>
-    <a:masterClrMapping/>
-  </p:clrMapOvr>
-</p:sld>
-</file>
-
-<file path=ppt/slides/slide14.xml><?xml version="1.0" encoding="utf-8"?>
-<p:sld xmlns:a="http://schemas.openxmlformats.org/drawingml/2006/main" xmlns:r="http://schemas.openxmlformats.org/officeDocument/2006/relationships" xmlns:p="http://schemas.openxmlformats.org/presentationml/2006/main">
-  <p:cSld>
-    <p:spTree>
-      <p:nvGrpSpPr>
-        <p:cNvPr id="1" name=""/>
-        <p:cNvGrpSpPr/>
-        <p:nvPr/>
-      </p:nvGrpSpPr>
-      <p:grpSpPr>
-        <a:xfrm>
-          <a:off x="0" y="0"/>
-          <a:ext cx="0" cy="0"/>
-          <a:chOff x="0" y="0"/>
-          <a:chExt cx="0" cy="0"/>
-        </a:xfrm>
-      </p:grpSpPr>
-      <p:sp>
-        <p:nvSpPr>
-          <p:cNvPr id="2" name="Title 1"/>
-          <p:cNvSpPr>
-            <a:spLocks noGrp="1"/>
-          </p:cNvSpPr>
-          <p:nvPr>
-            <p:ph type="title"/>
-          </p:nvPr>
-        </p:nvSpPr>
-        <p:spPr/>
-        <p:txBody>
-          <a:bodyPr/>
-          <a:lstStyle/>
-          <a:p>
-            <a:r>
-              <a:rPr lang="en-US" dirty="0" err="1" smtClean="0"/>
-              <a:t>RefGene</a:t>
-            </a:r>
-            <a:r>
-              <a:rPr lang="en-US" dirty="0" smtClean="0"/>
-              <a:t> Sources</a:t>
-            </a:r>
-            <a:endParaRPr lang="en-US" dirty="0"/>
-          </a:p>
-        </p:txBody>
-      </p:sp>
-      <p:sp>
-        <p:nvSpPr>
-          <p:cNvPr id="3" name="Content Placeholder 2"/>
-          <p:cNvSpPr>
-            <a:spLocks noGrp="1"/>
-          </p:cNvSpPr>
-          <p:nvPr>
-            <p:ph idx="1"/>
-          </p:nvPr>
-        </p:nvSpPr>
-        <p:spPr/>
-        <p:txBody>
-          <a:bodyPr/>
-          <a:lstStyle/>
-          <a:p>
-            <a:endParaRPr lang="en-US"/>
-          </a:p>
-        </p:txBody>
-      </p:sp>
-    </p:spTree>
-    <p:extLst>
-      <p:ext uri="{BB962C8B-B14F-4D97-AF65-F5344CB8AC3E}">
-        <p14:creationId xmlns:p14="http://schemas.microsoft.com/office/powerpoint/2010/main" val="744556164"/>
-      </p:ext>
-    </p:extLst>
-  </p:cSld>
-  <p:clrMapOvr>
-    <a:masterClrMapping/>
-  </p:clrMapOvr>
-</p:sld>
-</file>
-
-<file path=ppt/slides/slide15.xml><?xml version="1.0" encoding="utf-8"?>
-<p:sld xmlns:a="http://schemas.openxmlformats.org/drawingml/2006/main" xmlns:r="http://schemas.openxmlformats.org/officeDocument/2006/relationships" xmlns:p="http://schemas.openxmlformats.org/presentationml/2006/main">
-  <p:cSld>
-    <p:spTree>
-      <p:nvGrpSpPr>
-        <p:cNvPr id="1" name=""/>
-        <p:cNvGrpSpPr/>
-        <p:nvPr/>
-      </p:nvGrpSpPr>
-      <p:grpSpPr>
-        <a:xfrm>
-          <a:off x="0" y="0"/>
-          <a:ext cx="0" cy="0"/>
-          <a:chOff x="0" y="0"/>
-          <a:chExt cx="0" cy="0"/>
-        </a:xfrm>
-      </p:grpSpPr>
-      <p:sp>
-        <p:nvSpPr>
-          <p:cNvPr id="2" name="Title 1"/>
-          <p:cNvSpPr>
-            <a:spLocks noGrp="1"/>
-          </p:cNvSpPr>
-          <p:nvPr>
-            <p:ph type="title"/>
-          </p:nvPr>
-        </p:nvSpPr>
-        <p:spPr/>
-        <p:txBody>
-          <a:bodyPr/>
-          <a:lstStyle/>
-          <a:p>
-            <a:endParaRPr lang="en-US" dirty="0"/>
-          </a:p>
-        </p:txBody>
-      </p:sp>
-      <p:pic>
-        <p:nvPicPr>
-          <p:cNvPr id="4" name="Content Placeholder 3"/>
-          <p:cNvPicPr>
-            <a:picLocks noGrp="1" noChangeAspect="1"/>
-          </p:cNvPicPr>
-          <p:nvPr>
-            <p:ph idx="1"/>
-          </p:nvPr>
-        </p:nvPicPr>
-        <p:blipFill>
-          <a:blip r:embed="rId2"/>
-          <a:stretch>
-            <a:fillRect/>
-          </a:stretch>
-        </p:blipFill>
-        <p:spPr>
-          <a:xfrm>
-            <a:off x="1730022" y="1927754"/>
-            <a:ext cx="6793089" cy="3815813"/>
-          </a:xfrm>
-          <a:prstGeom prst="rect">
-            <a:avLst/>
-          </a:prstGeom>
-        </p:spPr>
-      </p:pic>
-    </p:spTree>
-    <p:extLst>
-      <p:ext uri="{BB962C8B-B14F-4D97-AF65-F5344CB8AC3E}">
-        <p14:creationId xmlns:p14="http://schemas.microsoft.com/office/powerpoint/2010/main" val="1337119794"/>
-      </p:ext>
-    </p:extLst>
-  </p:cSld>
-  <p:clrMapOvr>
-    <a:masterClrMapping/>
-  </p:clrMapOvr>
-</p:sld>
-</file>
-
-<file path=ppt/slides/slide16.xml><?xml version="1.0" encoding="utf-8"?>
-<p:sld xmlns:a="http://schemas.openxmlformats.org/drawingml/2006/main" xmlns:r="http://schemas.openxmlformats.org/officeDocument/2006/relationships" xmlns:p="http://schemas.openxmlformats.org/presentationml/2006/main">
-  <p:cSld>
-    <p:spTree>
-      <p:nvGrpSpPr>
-        <p:cNvPr id="1" name=""/>
-        <p:cNvGrpSpPr/>
-        <p:nvPr/>
-      </p:nvGrpSpPr>
-      <p:grpSpPr>
-        <a:xfrm>
-          <a:off x="0" y="0"/>
-          <a:ext cx="0" cy="0"/>
-          <a:chOff x="0" y="0"/>
-          <a:chExt cx="0" cy="0"/>
-        </a:xfrm>
-      </p:grpSpPr>
-      <p:sp>
-        <p:nvSpPr>
-          <p:cNvPr id="2" name="Title 1"/>
-          <p:cNvSpPr>
-            <a:spLocks noGrp="1"/>
-          </p:cNvSpPr>
-          <p:nvPr>
-            <p:ph type="title"/>
-          </p:nvPr>
-        </p:nvSpPr>
-        <p:spPr/>
-        <p:txBody>
-          <a:bodyPr/>
-          <a:lstStyle/>
-          <a:p>
-            <a:endParaRPr lang="en-US" dirty="0"/>
-          </a:p>
-        </p:txBody>
-      </p:sp>
-      <p:sp>
-        <p:nvSpPr>
-          <p:cNvPr id="3" name="Content Placeholder 2"/>
-          <p:cNvSpPr>
-            <a:spLocks noGrp="1"/>
-          </p:cNvSpPr>
-          <p:nvPr>
-            <p:ph idx="1"/>
-          </p:nvPr>
-        </p:nvSpPr>
-        <p:spPr/>
-        <p:txBody>
-          <a:bodyPr/>
-          <a:lstStyle/>
-          <a:p>
-            <a:pPr lvl="0"/>
-            <a:r>
-              <a:rPr lang="en-US" dirty="0" err="1"/>
-              <a:t>Barplot</a:t>
-            </a:r>
-            <a:r>
-              <a:rPr lang="en-US" dirty="0"/>
-              <a:t> of individuals who have a variant in each gene, reverse descending (fraction of genes = y, gene = x)</a:t>
-            </a:r>
-          </a:p>
-          <a:p>
-            <a:endParaRPr lang="en-US" dirty="0"/>
-          </a:p>
-        </p:txBody>
-      </p:sp>
-    </p:spTree>
-    <p:extLst>
-      <p:ext uri="{BB962C8B-B14F-4D97-AF65-F5344CB8AC3E}">
-        <p14:creationId xmlns:p14="http://schemas.microsoft.com/office/powerpoint/2010/main" val="1097518043"/>
-      </p:ext>
-    </p:extLst>
-  </p:cSld>
-  <p:clrMapOvr>
-    <a:masterClrMapping/>
-  </p:clrMapOvr>
-</p:sld>
-</file>
-
-<file path=ppt/slides/slide17.xml><?xml version="1.0" encoding="utf-8"?>
-<p:sld xmlns:a="http://schemas.openxmlformats.org/drawingml/2006/main" xmlns:r="http://schemas.openxmlformats.org/officeDocument/2006/relationships" xmlns:p="http://schemas.openxmlformats.org/presentationml/2006/main">
-  <p:cSld>
-    <p:spTree>
-      <p:nvGrpSpPr>
-        <p:cNvPr id="1" name=""/>
-        <p:cNvGrpSpPr/>
-        <p:nvPr/>
-      </p:nvGrpSpPr>
-      <p:grpSpPr>
-        <a:xfrm>
-          <a:off x="0" y="0"/>
-          <a:ext cx="0" cy="0"/>
-          <a:chOff x="0" y="0"/>
-          <a:chExt cx="0" cy="0"/>
-        </a:xfrm>
-      </p:grpSpPr>
-      <p:sp>
-        <p:nvSpPr>
-          <p:cNvPr id="2" name="Title 1"/>
-          <p:cNvSpPr>
-            <a:spLocks noGrp="1"/>
-          </p:cNvSpPr>
-          <p:nvPr>
-            <p:ph type="title"/>
-          </p:nvPr>
-        </p:nvSpPr>
-        <p:spPr/>
-        <p:txBody>
-          <a:bodyPr/>
-          <a:lstStyle/>
-          <a:p>
-            <a:r>
-              <a:rPr lang="en-US" dirty="0" smtClean="0"/>
-              <a:t>Anaconda </a:t>
-            </a:r>
-            <a:r>
-              <a:rPr lang="en-US" dirty="0" err="1" smtClean="0"/>
-              <a:t>sh</a:t>
-            </a:r>
-            <a:endParaRPr lang="en-US" dirty="0"/>
-          </a:p>
-        </p:txBody>
-      </p:sp>
-      <p:sp>
-        <p:nvSpPr>
-          <p:cNvPr id="3" name="Content Placeholder 2"/>
-          <p:cNvSpPr>
-            <a:spLocks noGrp="1"/>
-          </p:cNvSpPr>
-          <p:nvPr>
-            <p:ph idx="1"/>
-          </p:nvPr>
-        </p:nvSpPr>
-        <p:spPr/>
-        <p:txBody>
-          <a:bodyPr/>
-          <a:lstStyle/>
-          <a:p>
-            <a:endParaRPr lang="en-US"/>
-          </a:p>
-        </p:txBody>
-      </p:sp>
-    </p:spTree>
-    <p:extLst>
-      <p:ext uri="{BB962C8B-B14F-4D97-AF65-F5344CB8AC3E}">
-        <p14:creationId xmlns:p14="http://schemas.microsoft.com/office/powerpoint/2010/main" val="1717128889"/>
-      </p:ext>
-    </p:extLst>
-  </p:cSld>
-  <p:clrMapOvr>
-    <a:masterClrMapping/>
-  </p:clrMapOvr>
-</p:sld>
-</file>
-
-<file path=ppt/slides/slide2.xml><?xml version="1.0" encoding="utf-8"?>
-<p:sld xmlns:a="http://schemas.openxmlformats.org/drawingml/2006/main" xmlns:r="http://schemas.openxmlformats.org/officeDocument/2006/relationships" xmlns:p="http://schemas.openxmlformats.org/presentationml/2006/main">
-  <p:cSld>
-    <p:spTree>
-      <p:nvGrpSpPr>
-        <p:cNvPr id="1" name=""/>
-        <p:cNvGrpSpPr/>
-        <p:nvPr/>
-      </p:nvGrpSpPr>
-      <p:grpSpPr>
-        <a:xfrm>
-          <a:off x="0" y="0"/>
-          <a:ext cx="0" cy="0"/>
-          <a:chOff x="0" y="0"/>
-          <a:chExt cx="0" cy="0"/>
-        </a:xfrm>
-      </p:grpSpPr>
-      <p:sp>
-        <p:nvSpPr>
-          <p:cNvPr id="2" name="Title 1"/>
-          <p:cNvSpPr>
-            <a:spLocks noGrp="1"/>
-          </p:cNvSpPr>
-          <p:nvPr>
-            <p:ph type="title"/>
-          </p:nvPr>
-        </p:nvSpPr>
-        <p:spPr/>
-        <p:txBody>
-          <a:bodyPr>
-            <a:normAutofit/>
-          </a:bodyPr>
-          <a:lstStyle/>
-          <a:p>
-            <a:r>
-              <a:rPr lang="en-US" sz="4800" b="1" dirty="0" smtClean="0"/>
-              <a:t>Downloading VCF</a:t>
-            </a:r>
-            <a:endParaRPr lang="en-US" sz="4800" b="1" dirty="0"/>
-          </a:p>
-        </p:txBody>
-      </p:sp>
-      <p:sp>
-        <p:nvSpPr>
-          <p:cNvPr id="3" name="Content Placeholder 2"/>
-          <p:cNvSpPr>
-            <a:spLocks noGrp="1"/>
-          </p:cNvSpPr>
-          <p:nvPr>
-            <p:ph idx="1"/>
-          </p:nvPr>
-        </p:nvSpPr>
-        <p:spPr>
-          <a:xfrm>
-            <a:off x="529855" y="1690688"/>
-            <a:ext cx="11410507" cy="4351338"/>
-          </a:xfrm>
-        </p:spPr>
-        <p:txBody>
-          <a:bodyPr>
-            <a:normAutofit/>
-          </a:bodyPr>
-          <a:lstStyle/>
-          <a:p>
-            <a:r>
-              <a:rPr lang="en-US" sz="3200" b="1" u="sng" dirty="0" smtClean="0"/>
-              <a:t>ExAC</a:t>
-            </a:r>
-            <a:r>
-              <a:rPr lang="en-US" sz="3200" dirty="0" smtClean="0"/>
-              <a:t>: by hand</a:t>
-            </a:r>
-          </a:p>
-          <a:p>
-            <a:r>
-              <a:rPr lang="en-US" sz="3200" b="1" u="sng" dirty="0" smtClean="0"/>
-              <a:t>1000 genomes</a:t>
-            </a:r>
-            <a:r>
-              <a:rPr lang="en-US" sz="3200" dirty="0" smtClean="0"/>
-              <a:t>:</a:t>
-            </a:r>
-          </a:p>
-          <a:p>
-            <a:pPr lvl="1"/>
-            <a:r>
-              <a:rPr lang="en-US" sz="3200" dirty="0" smtClean="0"/>
-              <a:t>Scrape </a:t>
-            </a:r>
-            <a:r>
-              <a:rPr lang="en-US" sz="3200" dirty="0"/>
-              <a:t>ACMG website for gene names and associated </a:t>
-            </a:r>
-            <a:r>
-              <a:rPr lang="en-US" sz="3200" dirty="0" smtClean="0"/>
-              <a:t>diseases.</a:t>
-            </a:r>
-          </a:p>
-          <a:p>
-            <a:pPr lvl="1"/>
-            <a:r>
-              <a:rPr lang="en-US" sz="3200" dirty="0"/>
-              <a:t>Connecting USCS Genome Browser to </a:t>
-            </a:r>
-            <a:r>
-              <a:rPr lang="en-US" sz="3200" dirty="0" smtClean="0"/>
-              <a:t>get gene </a:t>
-            </a:r>
-            <a:r>
-              <a:rPr lang="en-US" sz="3200" dirty="0"/>
-              <a:t>info: </a:t>
-            </a:r>
-            <a:r>
-              <a:rPr lang="en-US" sz="3200" dirty="0" smtClean="0"/>
-              <a:t/>
-            </a:r>
-            <a:br>
-              <a:rPr lang="en-US" sz="3200" dirty="0" smtClean="0"/>
-            </a:br>
-            <a:r>
-              <a:rPr lang="en-US" sz="3200" dirty="0" err="1" smtClean="0"/>
-              <a:t>chrom</a:t>
-            </a:r>
-            <a:r>
-              <a:rPr lang="en-US" sz="3200" dirty="0"/>
-              <a:t>, start, </a:t>
-            </a:r>
-            <a:r>
-              <a:rPr lang="en-US" sz="3200" dirty="0" smtClean="0"/>
-              <a:t>stop.</a:t>
-            </a:r>
-          </a:p>
-          <a:p>
-            <a:pPr lvl="1"/>
-            <a:r>
-              <a:rPr lang="en-US" sz="3200" dirty="0" smtClean="0"/>
-              <a:t>Use </a:t>
-            </a:r>
-            <a:r>
-              <a:rPr lang="en-US" sz="3200" dirty="0" err="1" smtClean="0"/>
-              <a:t>Tabix</a:t>
-            </a:r>
-            <a:endParaRPr lang="en-US" sz="3200" dirty="0" smtClean="0"/>
-          </a:p>
-        </p:txBody>
-      </p:sp>
-    </p:spTree>
-    <p:extLst>
-      <p:ext uri="{BB962C8B-B14F-4D97-AF65-F5344CB8AC3E}">
-        <p14:creationId xmlns:p14="http://schemas.microsoft.com/office/powerpoint/2010/main" val="1657495374"/>
-      </p:ext>
-    </p:extLst>
-  </p:cSld>
-  <p:clrMapOvr>
-    <a:masterClrMapping/>
-  </p:clrMapOvr>
-  <p:timing>
-    <p:tnLst>
-      <p:par>
-        <p:cTn id="1" dur="indefinite" restart="never" nodeType="tmRoot"/>
-      </p:par>
-    </p:tnLst>
-  </p:timing>
-</p:sld>
-</file>
-
-<file path=ppt/slides/slide3.xml><?xml version="1.0" encoding="utf-8"?>
-<p:sld xmlns:a="http://schemas.openxmlformats.org/drawingml/2006/main" xmlns:r="http://schemas.openxmlformats.org/officeDocument/2006/relationships" xmlns:p="http://schemas.openxmlformats.org/presentationml/2006/main">
-  <p:cSld>
-    <p:spTree>
-      <p:nvGrpSpPr>
-        <p:cNvPr id="1" name=""/>
-        <p:cNvGrpSpPr/>
-        <p:nvPr/>
-      </p:nvGrpSpPr>
-      <p:grpSpPr>
-        <a:xfrm>
-          <a:off x="0" y="0"/>
-          <a:ext cx="0" cy="0"/>
-          <a:chOff x="0" y="0"/>
-          <a:chExt cx="0" cy="0"/>
-        </a:xfrm>
-      </p:grpSpPr>
-      <p:sp>
-        <p:nvSpPr>
-          <p:cNvPr id="2" name="Title 1"/>
-          <p:cNvSpPr>
-            <a:spLocks noGrp="1"/>
-          </p:cNvSpPr>
-          <p:nvPr>
-            <p:ph type="title"/>
-          </p:nvPr>
-        </p:nvSpPr>
-        <p:spPr/>
-        <p:txBody>
-          <a:bodyPr/>
-          <a:lstStyle/>
-          <a:p>
-            <a:r>
-              <a:rPr lang="en-US" b="1" dirty="0" smtClean="0"/>
-              <a:t>Scrape for ACMG</a:t>
-            </a:r>
-            <a:endParaRPr lang="en-US" b="1" dirty="0"/>
-          </a:p>
-        </p:txBody>
-      </p:sp>
-      <p:pic>
-        <p:nvPicPr>
-          <p:cNvPr id="4" name="Content Placeholder 3"/>
-          <p:cNvPicPr>
-            <a:picLocks noGrp="1" noChangeAspect="1"/>
-          </p:cNvPicPr>
-          <p:nvPr>
-            <p:ph idx="1"/>
-          </p:nvPr>
-        </p:nvPicPr>
-        <p:blipFill>
-          <a:blip r:embed="rId2"/>
-          <a:stretch>
-            <a:fillRect/>
-          </a:stretch>
-        </p:blipFill>
-        <p:spPr>
-          <a:xfrm>
-            <a:off x="838200" y="2341027"/>
-            <a:ext cx="8369300" cy="3505200"/>
-          </a:xfrm>
-          <a:prstGeom prst="rect">
-            <a:avLst/>
-          </a:prstGeom>
-        </p:spPr>
-      </p:pic>
-      <p:sp>
-        <p:nvSpPr>
-          <p:cNvPr id="5" name="TextBox 4"/>
-          <p:cNvSpPr txBox="1"/>
-          <p:nvPr/>
-        </p:nvSpPr>
-        <p:spPr>
-          <a:xfrm>
-            <a:off x="838200" y="1690688"/>
-            <a:ext cx="10023898" cy="461665"/>
-          </a:xfrm>
-          <a:prstGeom prst="rect">
-            <a:avLst/>
-          </a:prstGeom>
-          <a:noFill/>
-        </p:spPr>
-        <p:txBody>
-          <a:bodyPr wrap="none" rtlCol="0">
-            <a:spAutoFit/>
-          </a:bodyPr>
-          <a:lstStyle/>
-          <a:p>
-            <a:r>
-              <a:rPr lang="en-US" sz="2400" dirty="0" err="1"/>
-              <a:t>ACMG.page</a:t>
-            </a:r>
-            <a:r>
-              <a:rPr lang="en-US" sz="2400" dirty="0"/>
-              <a:t> &lt;- scrape(</a:t>
-            </a:r>
-            <a:r>
-              <a:rPr lang="en-US" sz="2400" dirty="0" err="1"/>
-              <a:t>url</a:t>
-            </a:r>
-            <a:r>
-              <a:rPr lang="en-US" sz="2400" dirty="0"/>
-              <a:t> ="http://</a:t>
-            </a:r>
-            <a:r>
-              <a:rPr lang="en-US" sz="2400" dirty="0" err="1"/>
-              <a:t>www.ncbi.nlm.nih.gov</a:t>
-            </a:r>
-            <a:r>
-              <a:rPr lang="en-US" sz="2400" dirty="0"/>
-              <a:t>/</a:t>
-            </a:r>
-            <a:r>
-              <a:rPr lang="en-US" sz="2400" dirty="0" err="1"/>
-              <a:t>clinvar</a:t>
-            </a:r>
-            <a:r>
-              <a:rPr lang="en-US" sz="2400" dirty="0"/>
-              <a:t>/docs/</a:t>
-            </a:r>
-            <a:r>
-              <a:rPr lang="en-US" sz="2400" dirty="0" err="1"/>
-              <a:t>acmg</a:t>
-            </a:r>
-            <a:r>
-              <a:rPr lang="en-US" sz="2400" dirty="0"/>
-              <a:t>/")</a:t>
-            </a:r>
-          </a:p>
-        </p:txBody>
-      </p:sp>
-    </p:spTree>
-    <p:extLst>
-      <p:ext uri="{BB962C8B-B14F-4D97-AF65-F5344CB8AC3E}">
-        <p14:creationId xmlns:p14="http://schemas.microsoft.com/office/powerpoint/2010/main" val="366881934"/>
-      </p:ext>
-    </p:extLst>
-  </p:cSld>
-  <p:clrMapOvr>
-    <a:masterClrMapping/>
-  </p:clrMapOvr>
-  <p:timing>
-    <p:tnLst>
-      <p:par>
-        <p:cTn id="1" dur="indefinite" restart="never" nodeType="tmRoot"/>
-      </p:par>
-    </p:tnLst>
-  </p:timing>
-</p:sld>
-</file>
-
-<file path=ppt/slides/slide4.xml><?xml version="1.0" encoding="utf-8"?>
-<p:sld xmlns:a="http://schemas.openxmlformats.org/drawingml/2006/main" xmlns:r="http://schemas.openxmlformats.org/officeDocument/2006/relationships" xmlns:p="http://schemas.openxmlformats.org/presentationml/2006/main">
-  <p:cSld>
-    <p:spTree>
-      <p:nvGrpSpPr>
-        <p:cNvPr id="1" name=""/>
-        <p:cNvGrpSpPr/>
-        <p:nvPr/>
-      </p:nvGrpSpPr>
-      <p:grpSpPr>
-        <a:xfrm>
-          <a:off x="0" y="0"/>
-          <a:ext cx="0" cy="0"/>
-          <a:chOff x="0" y="0"/>
-          <a:chExt cx="0" cy="0"/>
-        </a:xfrm>
-      </p:grpSpPr>
-      <p:sp>
-        <p:nvSpPr>
-          <p:cNvPr id="2" name="Title 1"/>
-          <p:cNvSpPr>
-            <a:spLocks noGrp="1"/>
-          </p:cNvSpPr>
-          <p:nvPr>
-            <p:ph type="title"/>
-          </p:nvPr>
-        </p:nvSpPr>
-        <p:spPr/>
-        <p:txBody>
-          <a:bodyPr>
-            <a:normAutofit/>
-          </a:bodyPr>
-          <a:lstStyle/>
-          <a:p>
-            <a:r>
-              <a:rPr lang="en-US" sz="5400" b="1" dirty="0"/>
-              <a:t>Connect to UCSC Genome </a:t>
-            </a:r>
-            <a:r>
-              <a:rPr lang="en-US" sz="5400" b="1" dirty="0" smtClean="0"/>
-              <a:t>Browser</a:t>
-            </a:r>
-            <a:endParaRPr lang="en-US" sz="5400" b="1" dirty="0"/>
-          </a:p>
-        </p:txBody>
-      </p:sp>
-      <p:sp>
-        <p:nvSpPr>
-          <p:cNvPr id="3" name="Content Placeholder 2"/>
-          <p:cNvSpPr>
-            <a:spLocks noGrp="1"/>
-          </p:cNvSpPr>
-          <p:nvPr>
-            <p:ph idx="1"/>
-          </p:nvPr>
-        </p:nvSpPr>
-        <p:spPr>
-          <a:xfrm>
-            <a:off x="838200" y="1516566"/>
-            <a:ext cx="10515600" cy="4660397"/>
-          </a:xfrm>
-        </p:spPr>
-        <p:txBody>
-          <a:bodyPr>
-            <a:normAutofit/>
-          </a:bodyPr>
-          <a:lstStyle/>
-          <a:p>
-            <a:r>
-              <a:rPr lang="en-US" sz="3200" dirty="0" smtClean="0"/>
-              <a:t>Step 1: Connect to UCSC Genome Browser: </a:t>
-            </a:r>
-            <a:br>
-              <a:rPr lang="en-US" sz="3200" dirty="0" smtClean="0"/>
-            </a:br>
-            <a:r>
-              <a:rPr lang="en-US" sz="3200" dirty="0" smtClean="0"/>
-              <a:t> </a:t>
-            </a:r>
-            <a:r>
-              <a:rPr lang="en-US" sz="3200" dirty="0" err="1" smtClean="0"/>
-              <a:t>chrom</a:t>
-            </a:r>
-            <a:r>
-              <a:rPr lang="en-US" sz="3200" dirty="0" smtClean="0"/>
-              <a:t>/start/stop</a:t>
-            </a:r>
-          </a:p>
-          <a:p>
-            <a:r>
-              <a:rPr lang="en-US" sz="3200" dirty="0"/>
-              <a:t>Step 2: Query from a table: </a:t>
-            </a:r>
-            <a:r>
-              <a:rPr lang="en-US" sz="3200" dirty="0" err="1"/>
-              <a:t>RefGene</a:t>
-            </a:r>
-            <a:r>
-              <a:rPr lang="en-US" sz="3200" dirty="0"/>
-              <a:t> or </a:t>
-            </a:r>
-            <a:r>
-              <a:rPr lang="en-US" sz="3200" dirty="0" err="1"/>
-              <a:t>GeneReviews</a:t>
-            </a:r>
-            <a:endParaRPr lang="en-US" sz="3200" dirty="0"/>
-          </a:p>
-          <a:p>
-            <a:pPr lvl="1"/>
-            <a:r>
-              <a:rPr lang="en-US" sz="2800" dirty="0" err="1"/>
-              <a:t>GeneReviews</a:t>
-            </a:r>
-            <a:r>
-              <a:rPr lang="en-US" sz="2800" dirty="0"/>
-              <a:t> generally has 1 entry per gene; missing PRKAG2</a:t>
-            </a:r>
-          </a:p>
-          <a:p>
-            <a:pPr lvl="1"/>
-            <a:r>
-              <a:rPr lang="en-US" sz="2800" dirty="0" err="1"/>
-              <a:t>RefGene</a:t>
-            </a:r>
-            <a:r>
-              <a:rPr lang="en-US" sz="2800" dirty="0"/>
-              <a:t> has multiple entries per gene; full coverage, </a:t>
-            </a:r>
-            <a:r>
-              <a:rPr lang="en-US" sz="2800" dirty="0" err="1"/>
-              <a:t>tx</a:t>
-            </a:r>
-            <a:r>
-              <a:rPr lang="en-US" sz="2800" dirty="0"/>
-              <a:t> vs. coding</a:t>
-            </a:r>
-          </a:p>
-          <a:p>
-            <a:pPr lvl="1"/>
-            <a:r>
-              <a:rPr lang="en-US" sz="2800" dirty="0"/>
-              <a:t>I chose </a:t>
-            </a:r>
-            <a:r>
-              <a:rPr lang="en-US" sz="2800" dirty="0" err="1"/>
-              <a:t>RefGene</a:t>
-            </a:r>
-            <a:r>
-              <a:rPr lang="en-US" sz="2800" dirty="0"/>
-              <a:t>, min </a:t>
-            </a:r>
-            <a:r>
-              <a:rPr lang="en-US" sz="2800" dirty="0" err="1"/>
-              <a:t>tx</a:t>
-            </a:r>
-            <a:r>
-              <a:rPr lang="en-US" sz="2800" dirty="0"/>
-              <a:t>-start, max </a:t>
-            </a:r>
-            <a:r>
-              <a:rPr lang="en-US" sz="2800" dirty="0" err="1" smtClean="0"/>
-              <a:t>tx</a:t>
-            </a:r>
-            <a:r>
-              <a:rPr lang="en-US" sz="2800" dirty="0" smtClean="0"/>
-              <a:t>-end</a:t>
-            </a:r>
-            <a:r>
-              <a:rPr lang="en-US" sz="2800" dirty="0"/>
-              <a:t>.</a:t>
-            </a:r>
-            <a:endParaRPr lang="en-US" sz="2800" dirty="0" smtClean="0"/>
-          </a:p>
-          <a:p>
-            <a:r>
-              <a:rPr lang="en-US" sz="3200" dirty="0" smtClean="0"/>
-              <a:t>Step 3: Collect/process other inputs: </a:t>
-            </a:r>
-            <a:br>
-              <a:rPr lang="en-US" sz="3200" dirty="0" smtClean="0"/>
-            </a:br>
-            <a:r>
-              <a:rPr lang="en-US" sz="3200" dirty="0" err="1" smtClean="0"/>
-              <a:t>chrom</a:t>
-            </a:r>
-            <a:r>
-              <a:rPr lang="en-US" sz="3200" dirty="0"/>
-              <a:t>, version, </a:t>
-            </a:r>
-            <a:r>
-              <a:rPr lang="en-US" sz="3200" dirty="0" err="1"/>
-              <a:t>chrom.num</a:t>
-            </a:r>
-            <a:r>
-              <a:rPr lang="en-US" sz="3200" dirty="0"/>
-              <a:t>, </a:t>
-            </a:r>
-            <a:r>
-              <a:rPr lang="en-US" sz="3200" dirty="0" smtClean="0"/>
-              <a:t>start</a:t>
-            </a:r>
-            <a:r>
-              <a:rPr lang="en-US" sz="3200" dirty="0"/>
-              <a:t>, </a:t>
-            </a:r>
-            <a:r>
-              <a:rPr lang="en-US" sz="3200" dirty="0" smtClean="0"/>
-              <a:t>end</a:t>
-            </a:r>
-            <a:r>
-              <a:rPr lang="en-US" sz="3200" dirty="0"/>
-              <a:t>, </a:t>
-            </a:r>
-            <a:r>
-              <a:rPr lang="en-US" sz="3200" dirty="0" smtClean="0"/>
-              <a:t>gene.</a:t>
-            </a:r>
-          </a:p>
-        </p:txBody>
-      </p:sp>
-    </p:spTree>
-    <p:extLst>
-      <p:ext uri="{BB962C8B-B14F-4D97-AF65-F5344CB8AC3E}">
-        <p14:creationId xmlns:p14="http://schemas.microsoft.com/office/powerpoint/2010/main" val="759114201"/>
-      </p:ext>
-    </p:extLst>
-  </p:cSld>
-  <p:clrMapOvr>
-    <a:masterClrMapping/>
-  </p:clrMapOvr>
-  <p:timing>
-    <p:tnLst>
-      <p:par>
-        <p:cTn id="1" dur="indefinite" restart="never" nodeType="tmRoot"/>
-      </p:par>
-    </p:tnLst>
-  </p:timing>
-</p:sld>
-</file>
-
-<file path=ppt/slides/slide5.xml><?xml version="1.0" encoding="utf-8"?>
-<p:sld xmlns:a="http://schemas.openxmlformats.org/drawingml/2006/main" xmlns:r="http://schemas.openxmlformats.org/officeDocument/2006/relationships" xmlns:p="http://schemas.openxmlformats.org/presentationml/2006/main">
-  <p:cSld>
-    <p:spTree>
-      <p:nvGrpSpPr>
-        <p:cNvPr id="1" name=""/>
-        <p:cNvGrpSpPr/>
-        <p:nvPr/>
-      </p:nvGrpSpPr>
-      <p:grpSpPr>
-        <a:xfrm>
-          <a:off x="0" y="0"/>
-          <a:ext cx="0" cy="0"/>
-          <a:chOff x="0" y="0"/>
-          <a:chExt cx="0" cy="0"/>
-        </a:xfrm>
-      </p:grpSpPr>
-      <p:sp>
-        <p:nvSpPr>
-          <p:cNvPr id="2" name="Title 1"/>
-          <p:cNvSpPr>
-            <a:spLocks noGrp="1"/>
-          </p:cNvSpPr>
-          <p:nvPr>
-            <p:ph type="title"/>
-          </p:nvPr>
-        </p:nvSpPr>
-        <p:spPr/>
-        <p:txBody>
-          <a:bodyPr>
-            <a:normAutofit/>
-          </a:bodyPr>
-          <a:lstStyle/>
-          <a:p>
-            <a:r>
-              <a:rPr lang="en-US" sz="5400" b="1" dirty="0" smtClean="0"/>
-              <a:t>Call </a:t>
-            </a:r>
-            <a:r>
-              <a:rPr lang="en-US" sz="5400" b="1" dirty="0" err="1" smtClean="0"/>
-              <a:t>Tabix</a:t>
-            </a:r>
-            <a:r>
-              <a:rPr lang="en-US" sz="5400" b="1" dirty="0" smtClean="0"/>
-              <a:t> from System</a:t>
-            </a:r>
-            <a:endParaRPr lang="en-US" sz="5400" b="1" dirty="0"/>
-          </a:p>
-        </p:txBody>
-      </p:sp>
-      <p:sp>
-        <p:nvSpPr>
-          <p:cNvPr id="3" name="Content Placeholder 2"/>
-          <p:cNvSpPr>
-            <a:spLocks noGrp="1"/>
-          </p:cNvSpPr>
-          <p:nvPr>
-            <p:ph idx="1"/>
-          </p:nvPr>
-        </p:nvSpPr>
-        <p:spPr>
-          <a:xfrm>
-            <a:off x="482286" y="1534574"/>
-            <a:ext cx="11673468" cy="4351338"/>
-          </a:xfrm>
-        </p:spPr>
-        <p:txBody>
-          <a:bodyPr>
-            <a:normAutofit/>
-          </a:bodyPr>
-          <a:lstStyle/>
-          <a:p>
-            <a:r>
-              <a:rPr lang="en-US" dirty="0" smtClean="0"/>
-              <a:t>Step 4: Call </a:t>
-            </a:r>
-            <a:r>
-              <a:rPr lang="en-US" dirty="0" err="1" smtClean="0"/>
-              <a:t>tabix</a:t>
-            </a:r>
-            <a:r>
-              <a:rPr lang="en-US" dirty="0" smtClean="0"/>
-              <a:t>:</a:t>
-            </a:r>
-          </a:p>
-          <a:p>
-            <a:pPr lvl="1"/>
-            <a:r>
-              <a:rPr lang="en-US" sz="2800" dirty="0" smtClean="0"/>
-              <a:t>"</a:t>
-            </a:r>
-            <a:r>
-              <a:rPr lang="en-US" sz="2800" dirty="0" err="1"/>
-              <a:t>tabix</a:t>
-            </a:r>
-            <a:r>
-              <a:rPr lang="en-US" sz="2800" dirty="0"/>
-              <a:t> -h ftp://ftp.1000genomes.ebi.ac.uk/vol1/ftp/release/</a:t>
-            </a:r>
-            <a:br>
-              <a:rPr lang="en-US" sz="2800" dirty="0"/>
-            </a:br>
-            <a:r>
-              <a:rPr lang="en-US" sz="2800" dirty="0"/>
-              <a:t>20130502/ALL.</a:t>
-            </a:r>
-            <a:r>
-              <a:rPr lang="en-US" sz="2800" dirty="0">
-                <a:solidFill>
-                  <a:srgbClr val="FF0000"/>
-                </a:solidFill>
-              </a:rPr>
-              <a:t>%s</a:t>
-            </a:r>
-            <a:r>
-              <a:rPr lang="en-US" sz="2800" dirty="0"/>
-              <a:t>.phase3_</a:t>
-            </a:r>
-            <a:r>
-              <a:rPr lang="en-US" sz="2800" dirty="0">
-                <a:solidFill>
-                  <a:srgbClr val="FF0000"/>
-                </a:solidFill>
-              </a:rPr>
-              <a:t>%s</a:t>
-            </a:r>
-            <a:r>
-              <a:rPr lang="en-US" sz="2800" dirty="0"/>
-              <a:t>.20130502.genotypes.vcf.gz </a:t>
-            </a:r>
-            <a:r>
-              <a:rPr lang="en-US" sz="2800" dirty="0">
-                <a:solidFill>
-                  <a:srgbClr val="FF0000"/>
-                </a:solidFill>
-              </a:rPr>
-              <a:t>%s</a:t>
-            </a:r>
-            <a:r>
-              <a:rPr lang="en-US" sz="2800" dirty="0"/>
-              <a:t>:</a:t>
-            </a:r>
-            <a:r>
-              <a:rPr lang="en-US" sz="2800" dirty="0">
-                <a:solidFill>
-                  <a:srgbClr val="FF0000"/>
-                </a:solidFill>
-              </a:rPr>
-              <a:t>%s-%s </a:t>
-            </a:r>
-            <a:br>
-              <a:rPr lang="en-US" sz="2800" dirty="0">
-                <a:solidFill>
-                  <a:srgbClr val="FF0000"/>
-                </a:solidFill>
-              </a:rPr>
-            </a:br>
-            <a:r>
-              <a:rPr lang="en-US" sz="2800" dirty="0"/>
-              <a:t>&gt; </a:t>
-            </a:r>
-            <a:r>
-              <a:rPr lang="en-US" sz="2800" dirty="0">
-                <a:solidFill>
-                  <a:srgbClr val="FF0000"/>
-                </a:solidFill>
-              </a:rPr>
-              <a:t>%</a:t>
-            </a:r>
-            <a:r>
-              <a:rPr lang="en-US" sz="2800" dirty="0" err="1">
-                <a:solidFill>
-                  <a:srgbClr val="FF0000"/>
-                </a:solidFill>
-              </a:rPr>
-              <a:t>s</a:t>
-            </a:r>
-            <a:r>
-              <a:rPr lang="en-US" sz="2800" dirty="0" err="1"/>
-              <a:t>_genotypes.vcf</a:t>
-            </a:r>
-            <a:r>
-              <a:rPr lang="en-US" sz="2800" dirty="0"/>
-              <a:t>” </a:t>
-            </a:r>
-            <a:r>
-              <a:rPr lang="en-US" sz="2800" dirty="0">
-                <a:solidFill>
-                  <a:srgbClr val="0070C0"/>
-                </a:solidFill>
-              </a:rPr>
-              <a:t>%&gt;%</a:t>
-            </a:r>
-          </a:p>
-          <a:p>
-            <a:pPr lvl="1"/>
-            <a:r>
-              <a:rPr lang="en-US" sz="2800" dirty="0" err="1"/>
-              <a:t>sprintf</a:t>
-            </a:r>
-            <a:r>
-              <a:rPr lang="en-US" sz="2800" dirty="0"/>
-              <a:t>(</a:t>
-            </a:r>
-            <a:r>
-              <a:rPr lang="en-US" sz="2800" dirty="0" err="1"/>
-              <a:t>UCSC$chrom</a:t>
-            </a:r>
-            <a:r>
-              <a:rPr lang="en-US" sz="2800" dirty="0"/>
-              <a:t>, version, </a:t>
-            </a:r>
-            <a:r>
-              <a:rPr lang="en-US" sz="2800" dirty="0" err="1"/>
-              <a:t>chrom.num</a:t>
-            </a:r>
-            <a:r>
-              <a:rPr lang="en-US" sz="2800" dirty="0"/>
-              <a:t>, </a:t>
-            </a:r>
-            <a:r>
-              <a:rPr lang="en-US" sz="2800" dirty="0" err="1"/>
-              <a:t>UCSC$start</a:t>
-            </a:r>
-            <a:r>
-              <a:rPr lang="en-US" sz="2800" dirty="0"/>
-              <a:t>, </a:t>
-            </a:r>
-            <a:r>
-              <a:rPr lang="en-US" sz="2800" dirty="0" err="1"/>
-              <a:t>UCSC$end</a:t>
-            </a:r>
-            <a:r>
-              <a:rPr lang="en-US" sz="2800" dirty="0"/>
-              <a:t>, gene) </a:t>
-            </a:r>
-            <a:r>
-              <a:rPr lang="en-US" sz="2800" dirty="0">
-                <a:solidFill>
-                  <a:srgbClr val="0070C0"/>
-                </a:solidFill>
-              </a:rPr>
-              <a:t>%&gt;%</a:t>
-            </a:r>
-            <a:r>
-              <a:rPr lang="en-US" sz="2800" dirty="0"/>
-              <a:t> system</a:t>
-            </a:r>
-          </a:p>
-          <a:p>
-            <a:r>
-              <a:rPr lang="en-US" dirty="0"/>
-              <a:t>Step </a:t>
-            </a:r>
-            <a:r>
-              <a:rPr lang="en-US" dirty="0" smtClean="0"/>
-              <a:t>5: </a:t>
-            </a:r>
-            <a:r>
-              <a:rPr lang="en-US" dirty="0"/>
-              <a:t>Output progress (e.g. MYBPC3 17/56) and check whether the file exists and has size &gt; 0. </a:t>
-            </a:r>
-            <a:endParaRPr lang="en-US" dirty="0" smtClean="0"/>
-          </a:p>
-          <a:p>
-            <a:r>
-              <a:rPr lang="en-US" dirty="0"/>
-              <a:t>Step </a:t>
-            </a:r>
-            <a:r>
-              <a:rPr lang="en-US" dirty="0" smtClean="0"/>
-              <a:t>6: </a:t>
-            </a:r>
-            <a:r>
-              <a:rPr lang="en-US" dirty="0"/>
-              <a:t>Compare with the dozen or so downloaded by hand earlier. </a:t>
-            </a:r>
-          </a:p>
-          <a:p>
-            <a:endParaRPr lang="en-US" dirty="0"/>
-          </a:p>
-        </p:txBody>
-      </p:sp>
-    </p:spTree>
-    <p:extLst>
-      <p:ext uri="{BB962C8B-B14F-4D97-AF65-F5344CB8AC3E}">
-        <p14:creationId xmlns:p14="http://schemas.microsoft.com/office/powerpoint/2010/main" val="2034970355"/>
-      </p:ext>
-    </p:extLst>
-  </p:cSld>
-  <p:clrMapOvr>
-    <a:masterClrMapping/>
-  </p:clrMapOvr>
-  <p:timing>
-    <p:tnLst>
-      <p:par>
-        <p:cTn id="1" dur="indefinite" restart="never" nodeType="tmRoot"/>
-      </p:par>
-    </p:tnLst>
-  </p:timing>
-</p:sld>
-</file>
-
-<file path=ppt/slides/slide6.xml><?xml version="1.0" encoding="utf-8"?>
-<p:sld xmlns:a="http://schemas.openxmlformats.org/drawingml/2006/main" xmlns:r="http://schemas.openxmlformats.org/officeDocument/2006/relationships" xmlns:p="http://schemas.openxmlformats.org/presentationml/2006/main">
-  <p:cSld>
-    <p:spTree>
-      <p:nvGrpSpPr>
-        <p:cNvPr id="1" name=""/>
-        <p:cNvGrpSpPr/>
-        <p:nvPr/>
-      </p:nvGrpSpPr>
-      <p:grpSpPr>
-        <a:xfrm>
-          <a:off x="0" y="0"/>
-          <a:ext cx="0" cy="0"/>
-          <a:chOff x="0" y="0"/>
-          <a:chExt cx="0" cy="0"/>
-        </a:xfrm>
-      </p:grpSpPr>
-      <p:sp>
-        <p:nvSpPr>
-          <p:cNvPr id="2" name="Title 1"/>
-          <p:cNvSpPr>
-            <a:spLocks noGrp="1"/>
-          </p:cNvSpPr>
-          <p:nvPr>
-            <p:ph type="title"/>
-          </p:nvPr>
-        </p:nvSpPr>
-        <p:spPr/>
-        <p:txBody>
-          <a:bodyPr>
-            <a:normAutofit/>
-          </a:bodyPr>
-          <a:lstStyle/>
-          <a:p>
-            <a:r>
-              <a:rPr lang="en-US" sz="4800" b="1" dirty="0" smtClean="0"/>
-              <a:t>Join 1000G data to ExAC: Correlations </a:t>
-            </a:r>
-            <a:endParaRPr lang="en-US" sz="4800" b="1" dirty="0"/>
-          </a:p>
-        </p:txBody>
-      </p:sp>
-      <p:sp>
-        <p:nvSpPr>
-          <p:cNvPr id="3" name="Content Placeholder 2"/>
-          <p:cNvSpPr>
-            <a:spLocks noGrp="1"/>
-          </p:cNvSpPr>
-          <p:nvPr>
-            <p:ph idx="1"/>
-          </p:nvPr>
-        </p:nvSpPr>
-        <p:spPr/>
-        <p:txBody>
-          <a:bodyPr/>
-          <a:lstStyle/>
-          <a:p>
-            <a:r>
-              <a:rPr lang="en-US" dirty="0" smtClean="0"/>
-              <a:t>Take intersecting variants only (due to liberal estimate on </a:t>
-            </a:r>
-            <a:r>
-              <a:rPr lang="en-US" dirty="0" err="1" smtClean="0"/>
-              <a:t>tx</a:t>
-            </a:r>
-            <a:r>
-              <a:rPr lang="en-US" dirty="0" smtClean="0"/>
-              <a:t> regions)</a:t>
-            </a:r>
-          </a:p>
-          <a:p>
-            <a:endParaRPr lang="en-US" dirty="0" smtClean="0"/>
-          </a:p>
-          <a:p>
-            <a:endParaRPr lang="en-US" dirty="0" smtClean="0"/>
-          </a:p>
-          <a:p>
-            <a:endParaRPr lang="en-US" dirty="0"/>
-          </a:p>
-        </p:txBody>
-      </p:sp>
-      <p:pic>
-        <p:nvPicPr>
-          <p:cNvPr id="4" name="Picture 3"/>
-          <p:cNvPicPr>
-            <a:picLocks noChangeAspect="1"/>
-          </p:cNvPicPr>
-          <p:nvPr/>
-        </p:nvPicPr>
-        <p:blipFill>
-          <a:blip r:embed="rId3"/>
-          <a:stretch>
-            <a:fillRect/>
-          </a:stretch>
-        </p:blipFill>
-        <p:spPr>
-          <a:xfrm>
-            <a:off x="838200" y="2483644"/>
-            <a:ext cx="8001000" cy="3035300"/>
-          </a:xfrm>
-          <a:prstGeom prst="rect">
-            <a:avLst/>
-          </a:prstGeom>
-        </p:spPr>
-      </p:pic>
-      <p:sp>
-        <p:nvSpPr>
-          <p:cNvPr id="5" name="TextBox 4"/>
-          <p:cNvSpPr txBox="1"/>
-          <p:nvPr/>
-        </p:nvSpPr>
-        <p:spPr>
-          <a:xfrm>
-            <a:off x="9058507" y="2483644"/>
-            <a:ext cx="2075985" cy="2308324"/>
-          </a:xfrm>
-          <a:prstGeom prst="rect">
-            <a:avLst/>
-          </a:prstGeom>
-          <a:noFill/>
-        </p:spPr>
-        <p:txBody>
-          <a:bodyPr wrap="square" rtlCol="0">
-            <a:spAutoFit/>
-          </a:bodyPr>
-          <a:lstStyle/>
-          <a:p>
-            <a:r>
-              <a:rPr lang="en-US" sz="2400" dirty="0" smtClean="0"/>
-              <a:t>VHL: 72%</a:t>
-            </a:r>
-          </a:p>
-          <a:p>
-            <a:r>
-              <a:rPr lang="en-US" sz="2400" dirty="0" smtClean="0"/>
-              <a:t>MLH1: 86%</a:t>
-            </a:r>
-          </a:p>
-          <a:p>
-            <a:r>
-              <a:rPr lang="en-US" sz="2400" dirty="0" smtClean="0"/>
-              <a:t>DSC2: 91%</a:t>
-            </a:r>
-          </a:p>
-          <a:p>
-            <a:endParaRPr lang="en-US" sz="2400" dirty="0"/>
-          </a:p>
-          <a:p>
-            <a:r>
-              <a:rPr lang="en-US" sz="2400" dirty="0" smtClean="0"/>
-              <a:t>All others above 94%</a:t>
-            </a:r>
-            <a:endParaRPr lang="en-US" sz="2400" dirty="0"/>
-          </a:p>
-        </p:txBody>
-      </p:sp>
-    </p:spTree>
-    <p:extLst>
-      <p:ext uri="{BB962C8B-B14F-4D97-AF65-F5344CB8AC3E}">
-        <p14:creationId xmlns:p14="http://schemas.microsoft.com/office/powerpoint/2010/main" val="922194363"/>
-      </p:ext>
-    </p:extLst>
-  </p:cSld>
-  <p:clrMapOvr>
-    <a:masterClrMapping/>
-  </p:clrMapOvr>
-  <p:timing>
-    <p:tnLst>
-      <p:par>
-        <p:cTn id="1" dur="indefinite" restart="never" nodeType="tmRoot"/>
-      </p:par>
-    </p:tnLst>
-  </p:timing>
-</p:sld>
-</file>
-
-<file path=ppt/slides/slide7.xml><?xml version="1.0" encoding="utf-8"?>
-<p:sld xmlns:a="http://schemas.openxmlformats.org/drawingml/2006/main" xmlns:r="http://schemas.openxmlformats.org/officeDocument/2006/relationships" xmlns:p="http://schemas.openxmlformats.org/presentationml/2006/main">
-  <p:cSld>
-    <p:spTree>
-      <p:nvGrpSpPr>
-        <p:cNvPr id="1" name=""/>
-        <p:cNvGrpSpPr/>
-        <p:nvPr/>
-      </p:nvGrpSpPr>
-      <p:grpSpPr>
-        <a:xfrm>
-          <a:off x="0" y="0"/>
-          <a:ext cx="0" cy="0"/>
-          <a:chOff x="0" y="0"/>
-          <a:chExt cx="0" cy="0"/>
-        </a:xfrm>
-      </p:grpSpPr>
-      <p:sp>
-        <p:nvSpPr>
-          <p:cNvPr id="2" name="Title 1"/>
-          <p:cNvSpPr>
-            <a:spLocks noGrp="1"/>
-          </p:cNvSpPr>
-          <p:nvPr>
-            <p:ph type="title"/>
-          </p:nvPr>
-        </p:nvSpPr>
-        <p:spPr/>
-        <p:txBody>
-          <a:bodyPr>
-            <a:normAutofit/>
-          </a:bodyPr>
-          <a:lstStyle/>
-          <a:p>
-            <a:r>
-              <a:rPr lang="en-US" sz="5400" b="1" dirty="0" smtClean="0"/>
-              <a:t>Load ACMG data into MySQL table</a:t>
-            </a:r>
-            <a:endParaRPr lang="en-US" sz="5400" b="1" dirty="0"/>
-          </a:p>
-        </p:txBody>
-      </p:sp>
-      <p:sp>
-        <p:nvSpPr>
-          <p:cNvPr id="3" name="Content Placeholder 2"/>
-          <p:cNvSpPr>
-            <a:spLocks noGrp="1"/>
-          </p:cNvSpPr>
-          <p:nvPr>
-            <p:ph idx="1"/>
-          </p:nvPr>
-        </p:nvSpPr>
-        <p:spPr>
-          <a:xfrm>
-            <a:off x="701749" y="1690688"/>
-            <a:ext cx="11109251" cy="4351338"/>
-          </a:xfrm>
-        </p:spPr>
-        <p:txBody>
-          <a:bodyPr>
-            <a:normAutofit/>
-          </a:bodyPr>
-          <a:lstStyle/>
-          <a:p>
-            <a:r>
-              <a:rPr lang="en-US" sz="2600" dirty="0"/>
-              <a:t>mysql&gt; create table ACMG (</a:t>
-            </a:r>
-            <a:r>
-              <a:rPr lang="en-US" sz="2600" dirty="0" err="1"/>
-              <a:t>Numkey</a:t>
-            </a:r>
-            <a:r>
-              <a:rPr lang="en-US" sz="2600" dirty="0"/>
-              <a:t> </a:t>
-            </a:r>
-            <a:r>
-              <a:rPr lang="en-US" sz="2600" dirty="0" err="1" smtClean="0"/>
-              <a:t>int</a:t>
-            </a:r>
-            <a:r>
-              <a:rPr lang="en-US" sz="2600" dirty="0" smtClean="0"/>
-              <a:t> </a:t>
-            </a:r>
-            <a:r>
-              <a:rPr lang="is-IS" sz="2600" dirty="0" smtClean="0"/>
-              <a:t>… </a:t>
-            </a:r>
-            <a:r>
-              <a:rPr lang="en-US" sz="2600" dirty="0" smtClean="0"/>
-              <a:t>Citation </a:t>
-            </a:r>
-            <a:r>
-              <a:rPr lang="en-US" sz="2600" dirty="0"/>
-              <a:t>varchar(200</a:t>
-            </a:r>
-            <a:r>
-              <a:rPr lang="en-US" sz="2600" dirty="0" smtClean="0"/>
-              <a:t>));</a:t>
-            </a:r>
-          </a:p>
-          <a:p>
-            <a:r>
-              <a:rPr lang="en-US" sz="2600" dirty="0" smtClean="0"/>
-              <a:t> mysql</a:t>
-            </a:r>
-            <a:r>
-              <a:rPr lang="en-US" sz="2600" dirty="0"/>
-              <a:t>&gt; load data local infile </a:t>
-            </a:r>
-            <a:r>
-              <a:rPr lang="en-US" sz="2600" dirty="0" smtClean="0"/>
-              <a:t>'/</a:t>
-            </a:r>
-            <a:r>
-              <a:rPr lang="en-US" sz="2600" dirty="0"/>
-              <a:t>Users/jamesdiao/Documents/</a:t>
-            </a:r>
-            <a:r>
-              <a:rPr lang="en-US" sz="2600" dirty="0" err="1"/>
-              <a:t>Kohane_Lab</a:t>
-            </a:r>
-            <a:r>
-              <a:rPr lang="en-US" sz="2600" dirty="0" smtClean="0"/>
-              <a:t>/</a:t>
-            </a:r>
-            <a:br>
-              <a:rPr lang="en-US" sz="2600" dirty="0" smtClean="0"/>
-            </a:br>
-            <a:r>
-              <a:rPr lang="en-US" sz="2600" dirty="0" smtClean="0"/>
-              <a:t>HST-2016/week_5/</a:t>
-            </a:r>
-            <a:r>
-              <a:rPr lang="en-US" sz="2600" dirty="0" err="1" smtClean="0"/>
-              <a:t>ACMG_output.txt</a:t>
-            </a:r>
-            <a:r>
-              <a:rPr lang="en-US" sz="2600" dirty="0"/>
-              <a:t>' into table ACMG lines terminated </a:t>
-            </a:r>
-            <a:r>
-              <a:rPr lang="en-US" sz="2600" dirty="0" smtClean="0"/>
-              <a:t>by '\</a:t>
-            </a:r>
-            <a:r>
-              <a:rPr lang="en-US" sz="2600" dirty="0"/>
-              <a:t>n';            </a:t>
-            </a:r>
-          </a:p>
-          <a:p>
-            <a:r>
-              <a:rPr lang="en-US" sz="2600" dirty="0" smtClean="0"/>
-              <a:t>Records</a:t>
-            </a:r>
-            <a:r>
-              <a:rPr lang="en-US" sz="2600" dirty="0"/>
-              <a:t>: 9199  Deleted: 0  Skipped: 0  Warnings: 0</a:t>
-            </a:r>
-          </a:p>
-        </p:txBody>
-      </p:sp>
-      <p:pic>
-        <p:nvPicPr>
-          <p:cNvPr id="4" name="Picture 3"/>
-          <p:cNvPicPr>
-            <a:picLocks noChangeAspect="1"/>
-          </p:cNvPicPr>
-          <p:nvPr/>
-        </p:nvPicPr>
-        <p:blipFill>
-          <a:blip r:embed="rId3"/>
-          <a:stretch>
-            <a:fillRect/>
-          </a:stretch>
-        </p:blipFill>
-        <p:spPr>
-          <a:xfrm>
-            <a:off x="999461" y="3667023"/>
-            <a:ext cx="10403550" cy="2606185"/>
-          </a:xfrm>
-          <a:prstGeom prst="rect">
-            <a:avLst/>
-          </a:prstGeom>
-        </p:spPr>
-      </p:pic>
-    </p:spTree>
-    <p:extLst>
-      <p:ext uri="{BB962C8B-B14F-4D97-AF65-F5344CB8AC3E}">
-        <p14:creationId xmlns:p14="http://schemas.microsoft.com/office/powerpoint/2010/main" val="1604419705"/>
-      </p:ext>
-    </p:extLst>
-  </p:cSld>
-  <p:clrMapOvr>
-    <a:masterClrMapping/>
-  </p:clrMapOvr>
-  <p:timing>
-    <p:tnLst>
-      <p:par>
-        <p:cTn id="1" dur="indefinite" restart="never" nodeType="tmRoot"/>
-      </p:par>
-    </p:tnLst>
-  </p:timing>
 </p:sld>
 </file>
 
@@ -6037,129 +4755,425 @@
             <p:ph type="title"/>
           </p:nvPr>
         </p:nvSpPr>
-        <p:spPr>
-          <a:xfrm>
-            <a:off x="838200" y="226902"/>
-            <a:ext cx="10515600" cy="1325563"/>
-          </a:xfrm>
-        </p:spPr>
+        <p:spPr/>
         <p:txBody>
           <a:bodyPr/>
           <a:lstStyle/>
           <a:p>
             <a:r>
               <a:rPr lang="en-US" dirty="0" smtClean="0"/>
-              <a:t>ACMG Disease Status</a:t>
+              <a:t>Collecting Prevalence Data</a:t>
             </a:r>
             <a:endParaRPr lang="en-US" dirty="0"/>
           </a:p>
         </p:txBody>
       </p:sp>
-      <p:sp>
-        <p:nvSpPr>
-          <p:cNvPr id="3" name="Content Placeholder 2"/>
-          <p:cNvSpPr>
-            <a:spLocks noGrp="1"/>
-          </p:cNvSpPr>
+      <p:graphicFrame>
+        <p:nvGraphicFramePr>
+          <p:cNvPr id="5" name="Content Placeholder 4"/>
+          <p:cNvGraphicFramePr>
+            <a:graphicFrameLocks noGrp="1"/>
+          </p:cNvGraphicFramePr>
           <p:nvPr>
             <p:ph idx="1"/>
-          </p:nvPr>
-        </p:nvSpPr>
-        <p:spPr>
-          <a:xfrm>
-            <a:off x="838200" y="1396392"/>
-            <a:ext cx="10515600" cy="5109339"/>
-          </a:xfrm>
-        </p:spPr>
-        <p:txBody>
-          <a:bodyPr>
-            <a:normAutofit/>
-          </a:bodyPr>
-          <a:lstStyle/>
-          <a:p>
-            <a:r>
-              <a:rPr lang="en-US" dirty="0" smtClean="0"/>
-              <a:t>Multiple diseases implicated for some genes</a:t>
-            </a:r>
-          </a:p>
-          <a:p>
-            <a:endParaRPr lang="en-US" dirty="0"/>
-          </a:p>
-          <a:p>
-            <a:endParaRPr lang="en-US" dirty="0" smtClean="0"/>
-          </a:p>
-          <a:p>
-            <a:endParaRPr lang="en-US" dirty="0"/>
-          </a:p>
-          <a:p>
-            <a:endParaRPr lang="en-US" dirty="0" smtClean="0"/>
-          </a:p>
-          <a:p>
-            <a:endParaRPr lang="en-US" dirty="0"/>
-          </a:p>
-          <a:p>
-            <a:endParaRPr lang="en-US" dirty="0" smtClean="0"/>
-          </a:p>
-          <a:p>
-            <a:endParaRPr lang="en-US" dirty="0" smtClean="0"/>
-          </a:p>
-          <a:p>
-            <a:r>
-              <a:rPr lang="en-US" dirty="0" smtClean="0"/>
-              <a:t>Do I just </a:t>
-            </a:r>
-            <a:r>
-              <a:rPr lang="en-US" dirty="0" err="1" smtClean="0"/>
-              <a:t>handcode</a:t>
-            </a:r>
-            <a:r>
-              <a:rPr lang="en-US" dirty="0" smtClean="0"/>
-              <a:t> the rest?</a:t>
-            </a:r>
-          </a:p>
-        </p:txBody>
-      </p:sp>
-      <p:pic>
-        <p:nvPicPr>
-          <p:cNvPr id="6" name="Picture 5"/>
-          <p:cNvPicPr>
-            <a:picLocks noChangeAspect="1"/>
-          </p:cNvPicPr>
-          <p:nvPr/>
-        </p:nvPicPr>
-        <p:blipFill>
-          <a:blip r:embed="rId2"/>
-          <a:stretch>
-            <a:fillRect/>
-          </a:stretch>
-        </p:blipFill>
-        <p:spPr>
-          <a:xfrm>
-            <a:off x="1019332" y="1943882"/>
-            <a:ext cx="6212082" cy="3437588"/>
-          </a:xfrm>
-          <a:prstGeom prst="rect">
-            <a:avLst/>
-          </a:prstGeom>
-        </p:spPr>
-      </p:pic>
+            <p:extLst>
+              <p:ext uri="{D42A27DB-BD31-4B8C-83A1-F6EECF244321}">
+                <p14:modId xmlns:p14="http://schemas.microsoft.com/office/powerpoint/2010/main" val="1269695673"/>
+              </p:ext>
+            </p:extLst>
+          </p:nvPr>
+        </p:nvGraphicFramePr>
+        <p:xfrm>
+          <a:off x="673100" y="1893358"/>
+          <a:ext cx="10845800" cy="2565400"/>
+        </p:xfrm>
+        <a:graphic>
+          <a:graphicData uri="http://schemas.openxmlformats.org/drawingml/2006/table">
+            <a:tbl>
+              <a:tblPr firstRow="1" bandRow="1">
+                <a:tableStyleId>{5C22544A-7EE6-4342-B048-85BDC9FD1C3A}</a:tableStyleId>
+              </a:tblPr>
+              <a:tblGrid>
+                <a:gridCol w="2758722"/>
+                <a:gridCol w="1659467"/>
+                <a:gridCol w="1591733"/>
+                <a:gridCol w="1941689"/>
+                <a:gridCol w="2894189"/>
+              </a:tblGrid>
+              <a:tr h="370840">
+                <a:tc>
+                  <a:txBody>
+                    <a:bodyPr/>
+                    <a:lstStyle/>
+                    <a:p>
+                      <a:r>
+                        <a:rPr lang="en-US" dirty="0" smtClean="0"/>
+                        <a:t>Disease</a:t>
+                      </a:r>
+                      <a:endParaRPr lang="en-US" dirty="0"/>
+                    </a:p>
+                  </a:txBody>
+                  <a:tcPr/>
+                </a:tc>
+                <a:tc>
+                  <a:txBody>
+                    <a:bodyPr/>
+                    <a:lstStyle/>
+                    <a:p>
+                      <a:r>
+                        <a:rPr lang="en-US" dirty="0" smtClean="0"/>
+                        <a:t>Inverse</a:t>
+                      </a:r>
+                      <a:r>
+                        <a:rPr lang="en-US" baseline="0" dirty="0" smtClean="0"/>
+                        <a:t> </a:t>
+                      </a:r>
+                      <a:r>
+                        <a:rPr lang="en-US" baseline="0" dirty="0" err="1" smtClean="0"/>
+                        <a:t>Prev</a:t>
+                      </a:r>
+                      <a:r>
+                        <a:rPr lang="en-US" baseline="0" dirty="0" smtClean="0"/>
+                        <a:t> 1</a:t>
+                      </a:r>
+                      <a:endParaRPr lang="en-US" dirty="0"/>
+                    </a:p>
+                  </a:txBody>
+                  <a:tcPr/>
+                </a:tc>
+                <a:tc>
+                  <a:txBody>
+                    <a:bodyPr/>
+                    <a:lstStyle/>
+                    <a:p>
+                      <a:r>
+                        <a:rPr lang="en-US" dirty="0" smtClean="0"/>
+                        <a:t>Inverse </a:t>
+                      </a:r>
+                      <a:r>
+                        <a:rPr lang="en-US" dirty="0" err="1" smtClean="0"/>
+                        <a:t>Prev</a:t>
+                      </a:r>
+                      <a:r>
+                        <a:rPr lang="en-US" dirty="0" smtClean="0"/>
+                        <a:t> 2</a:t>
+                      </a:r>
+                      <a:endParaRPr lang="en-US" dirty="0"/>
+                    </a:p>
+                  </a:txBody>
+                  <a:tcPr/>
+                </a:tc>
+                <a:tc>
+                  <a:txBody>
+                    <a:bodyPr/>
+                    <a:lstStyle/>
+                    <a:p>
+                      <a:r>
+                        <a:rPr lang="en-US" dirty="0" smtClean="0"/>
+                        <a:t>Inverse</a:t>
+                      </a:r>
+                      <a:r>
+                        <a:rPr lang="en-US" baseline="0" dirty="0" smtClean="0"/>
+                        <a:t> </a:t>
+                      </a:r>
+                      <a:r>
+                        <a:rPr lang="en-US" baseline="0" dirty="0" err="1" smtClean="0"/>
+                        <a:t>Prev</a:t>
+                      </a:r>
+                      <a:r>
+                        <a:rPr lang="en-US" baseline="0" dirty="0" smtClean="0"/>
+                        <a:t> Final</a:t>
+                      </a:r>
+                      <a:endParaRPr lang="en-US" dirty="0"/>
+                    </a:p>
+                  </a:txBody>
+                  <a:tcPr/>
+                </a:tc>
+                <a:tc>
+                  <a:txBody>
+                    <a:bodyPr/>
+                    <a:lstStyle/>
+                    <a:p>
+                      <a:r>
+                        <a:rPr lang="en-US" dirty="0" smtClean="0"/>
+                        <a:t>Citation</a:t>
+                      </a:r>
+                      <a:endParaRPr lang="en-US" dirty="0"/>
+                    </a:p>
+                  </a:txBody>
+                  <a:tcPr/>
+                </a:tc>
+              </a:tr>
+              <a:tr h="370840">
+                <a:tc>
+                  <a:txBody>
+                    <a:bodyPr/>
+                    <a:lstStyle/>
+                    <a:p>
+                      <a:r>
+                        <a:rPr lang="en-US" dirty="0" smtClean="0"/>
+                        <a:t>Dilated cardiomyopathy 1A</a:t>
+                      </a:r>
+                      <a:endParaRPr lang="en-US" dirty="0"/>
+                    </a:p>
+                  </a:txBody>
+                  <a:tcPr/>
+                </a:tc>
+                <a:tc>
+                  <a:txBody>
+                    <a:bodyPr/>
+                    <a:lstStyle/>
+                    <a:p>
+                      <a:r>
+                        <a:rPr lang="en-US" dirty="0" smtClean="0"/>
+                        <a:t>14285</a:t>
+                      </a:r>
+                      <a:endParaRPr lang="en-US" dirty="0"/>
+                    </a:p>
+                  </a:txBody>
+                  <a:tcPr/>
+                </a:tc>
+                <a:tc>
+                  <a:txBody>
+                    <a:bodyPr/>
+                    <a:lstStyle/>
+                    <a:p>
+                      <a:r>
+                        <a:rPr lang="en-US" dirty="0" smtClean="0"/>
+                        <a:t>\N</a:t>
+                      </a:r>
+                      <a:endParaRPr lang="en-US" dirty="0"/>
+                    </a:p>
+                  </a:txBody>
+                  <a:tcPr/>
+                </a:tc>
+                <a:tc>
+                  <a:txBody>
+                    <a:bodyPr/>
+                    <a:lstStyle/>
+                    <a:p>
+                      <a:r>
+                        <a:rPr lang="en-US" dirty="0" smtClean="0"/>
+                        <a:t>14285</a:t>
+                      </a:r>
+                      <a:endParaRPr lang="en-US" dirty="0"/>
+                    </a:p>
+                  </a:txBody>
+                  <a:tcPr/>
+                </a:tc>
+                <a:tc>
+                  <a:txBody>
+                    <a:bodyPr/>
+                    <a:lstStyle/>
+                    <a:p>
+                      <a:r>
+                        <a:rPr lang="en-US" dirty="0" err="1" smtClean="0"/>
+                        <a:t>www.ncbi.nlm.nih.gov</a:t>
+                      </a:r>
+                      <a:r>
+                        <a:rPr lang="en-US" dirty="0" smtClean="0"/>
+                        <a:t>/</a:t>
+                      </a:r>
+                      <a:r>
+                        <a:rPr lang="en-US" dirty="0" err="1" smtClean="0"/>
+                        <a:t>pubmed</a:t>
+                      </a:r>
+                      <a:r>
+                        <a:rPr lang="en-US" dirty="0" smtClean="0"/>
+                        <a:t>/9049523</a:t>
+                      </a:r>
+                      <a:endParaRPr lang="en-US" dirty="0"/>
+                    </a:p>
+                  </a:txBody>
+                  <a:tcPr/>
+                </a:tc>
+              </a:tr>
+              <a:tr h="370840">
+                <a:tc>
+                  <a:txBody>
+                    <a:bodyPr/>
+                    <a:lstStyle/>
+                    <a:p>
+                      <a:r>
+                        <a:rPr lang="en-US" dirty="0" err="1" smtClean="0"/>
+                        <a:t>Fabry's</a:t>
+                      </a:r>
+                      <a:r>
+                        <a:rPr lang="en-US" dirty="0" smtClean="0"/>
+                        <a:t> disease</a:t>
+                      </a:r>
+                      <a:endParaRPr lang="en-US" dirty="0"/>
+                    </a:p>
+                  </a:txBody>
+                  <a:tcPr/>
+                </a:tc>
+                <a:tc>
+                  <a:txBody>
+                    <a:bodyPr/>
+                    <a:lstStyle/>
+                    <a:p>
+                      <a:r>
+                        <a:rPr lang="en-US" dirty="0" smtClean="0"/>
+                        <a:t>10000</a:t>
+                      </a:r>
+                      <a:endParaRPr lang="en-US" dirty="0"/>
+                    </a:p>
+                  </a:txBody>
+                  <a:tcPr/>
+                </a:tc>
+                <a:tc>
+                  <a:txBody>
+                    <a:bodyPr/>
+                    <a:lstStyle/>
+                    <a:p>
+                      <a:r>
+                        <a:rPr lang="en-US" dirty="0" smtClean="0"/>
+                        <a:t>\N</a:t>
+                      </a:r>
+                      <a:endParaRPr lang="en-US" dirty="0"/>
+                    </a:p>
+                  </a:txBody>
+                  <a:tcPr/>
+                </a:tc>
+                <a:tc>
+                  <a:txBody>
+                    <a:bodyPr/>
+                    <a:lstStyle/>
+                    <a:p>
+                      <a:r>
+                        <a:rPr lang="en-US" dirty="0" smtClean="0"/>
+                        <a:t>10000</a:t>
+                      </a:r>
+                      <a:endParaRPr lang="en-US" dirty="0"/>
+                    </a:p>
+                  </a:txBody>
+                  <a:tcPr/>
+                </a:tc>
+                <a:tc>
+                  <a:txBody>
+                    <a:bodyPr/>
+                    <a:lstStyle/>
+                    <a:p>
+                      <a:r>
+                        <a:rPr lang="en-US" dirty="0" smtClean="0"/>
+                        <a:t>https://</a:t>
+                      </a:r>
+                      <a:r>
+                        <a:rPr lang="en-US" dirty="0" err="1" smtClean="0"/>
+                        <a:t>ojrd.biomedcentral.com</a:t>
+                      </a:r>
+                      <a:r>
+                        <a:rPr lang="en-US" dirty="0" smtClean="0"/>
+                        <a:t>/articles/10.1186/1750-1172-5-30</a:t>
+                      </a:r>
+                      <a:endParaRPr lang="en-US" dirty="0"/>
+                    </a:p>
+                  </a:txBody>
+                  <a:tcPr/>
+                </a:tc>
+              </a:tr>
+              <a:tr h="370840">
+                <a:tc>
+                  <a:txBody>
+                    <a:bodyPr/>
+                    <a:lstStyle/>
+                    <a:p>
+                      <a:r>
+                        <a:rPr lang="en-US" dirty="0" smtClean="0"/>
+                        <a:t>Li-</a:t>
+                      </a:r>
+                      <a:r>
+                        <a:rPr lang="en-US" dirty="0" err="1" smtClean="0"/>
+                        <a:t>Fraumeni</a:t>
+                      </a:r>
+                      <a:r>
+                        <a:rPr lang="en-US" dirty="0" smtClean="0"/>
+                        <a:t> syndrome 1</a:t>
+                      </a:r>
+                      <a:endParaRPr lang="en-US" dirty="0"/>
+                    </a:p>
+                  </a:txBody>
+                  <a:tcPr/>
+                </a:tc>
+                <a:tc>
+                  <a:txBody>
+                    <a:bodyPr/>
+                    <a:lstStyle/>
+                    <a:p>
+                      <a:r>
+                        <a:rPr lang="en-US" dirty="0" smtClean="0"/>
+                        <a:t>5000</a:t>
+                      </a:r>
+                      <a:endParaRPr lang="en-US" dirty="0"/>
+                    </a:p>
+                  </a:txBody>
+                  <a:tcPr/>
+                </a:tc>
+                <a:tc>
+                  <a:txBody>
+                    <a:bodyPr/>
+                    <a:lstStyle/>
+                    <a:p>
+                      <a:r>
+                        <a:rPr lang="en-US" dirty="0" smtClean="0"/>
+                        <a:t>20000</a:t>
+                      </a:r>
+                      <a:endParaRPr lang="en-US" dirty="0"/>
+                    </a:p>
+                  </a:txBody>
+                  <a:tcPr/>
+                </a:tc>
+                <a:tc>
+                  <a:txBody>
+                    <a:bodyPr/>
+                    <a:lstStyle/>
+                    <a:p>
+                      <a:r>
+                        <a:rPr lang="en-US" dirty="0" smtClean="0"/>
+                        <a:t>10000</a:t>
+                      </a:r>
+                      <a:endParaRPr lang="en-US" dirty="0"/>
+                    </a:p>
+                  </a:txBody>
+                  <a:tcPr/>
+                </a:tc>
+                <a:tc>
+                  <a:txBody>
+                    <a:bodyPr/>
+                    <a:lstStyle/>
+                    <a:p>
+                      <a:r>
+                        <a:rPr lang="en-US" dirty="0" smtClean="0"/>
+                        <a:t>http://</a:t>
+                      </a:r>
+                      <a:r>
+                        <a:rPr lang="en-US" dirty="0" err="1" smtClean="0"/>
+                        <a:t>www.ncbi.nlm.nih.gov</a:t>
+                      </a:r>
+                      <a:r>
+                        <a:rPr lang="en-US" dirty="0" smtClean="0"/>
+                        <a:t>/books/NBK1311/</a:t>
+                      </a:r>
+                      <a:endParaRPr lang="en-US" dirty="0"/>
+                    </a:p>
+                  </a:txBody>
+                  <a:tcPr/>
+                </a:tc>
+              </a:tr>
+            </a:tbl>
+          </a:graphicData>
+        </a:graphic>
+      </p:graphicFrame>
     </p:spTree>
     <p:extLst>
       <p:ext uri="{BB962C8B-B14F-4D97-AF65-F5344CB8AC3E}">
-        <p14:creationId xmlns:p14="http://schemas.microsoft.com/office/powerpoint/2010/main" val="534747652"/>
+        <p14:creationId xmlns:p14="http://schemas.microsoft.com/office/powerpoint/2010/main" val="1681767621"/>
       </p:ext>
     </p:extLst>
   </p:cSld>
   <p:clrMapOvr>
     <a:masterClrMapping/>
   </p:clrMapOvr>
-  <p:timing>
-    <p:tnLst>
-      <p:par>
-        <p:cTn id="1" dur="indefinite" restart="never" nodeType="tmRoot"/>
-      </p:par>
-    </p:tnLst>
-  </p:timing>
 </p:sld>
 </file>
 
@@ -6187,49 +5201,196 @@
             <a:spLocks noGrp="1"/>
           </p:cNvSpPr>
           <p:nvPr>
-            <p:ph type="ctrTitle"/>
-          </p:nvPr>
-        </p:nvSpPr>
-        <p:spPr/>
-        <p:txBody>
-          <a:bodyPr/>
-          <a:lstStyle/>
-          <a:p>
+            <p:ph type="title"/>
+          </p:nvPr>
+        </p:nvSpPr>
+        <p:spPr>
+          <a:xfrm>
+            <a:off x="838200" y="275915"/>
+            <a:ext cx="10515600" cy="1325563"/>
+          </a:xfrm>
+        </p:spPr>
+        <p:txBody>
+          <a:bodyPr>
+            <a:normAutofit/>
+          </a:bodyPr>
+          <a:lstStyle/>
+          <a:p>
+            <a:r>
+              <a:rPr lang="en-US" sz="4800" dirty="0" smtClean="0"/>
+              <a:t>Questions about </a:t>
+            </a:r>
+            <a:r>
+              <a:rPr lang="en-US" sz="4800" dirty="0" err="1" smtClean="0"/>
+              <a:t>ACMG_Lit</a:t>
+            </a:r>
+            <a:r>
+              <a:rPr lang="en-US" sz="4800" dirty="0" smtClean="0"/>
+              <a:t> Prevalence</a:t>
+            </a:r>
+            <a:endParaRPr lang="en-US" sz="4800" dirty="0"/>
+          </a:p>
+        </p:txBody>
+      </p:sp>
+      <p:sp>
+        <p:nvSpPr>
+          <p:cNvPr id="3" name="Content Placeholder 2"/>
+          <p:cNvSpPr>
+            <a:spLocks noGrp="1"/>
+          </p:cNvSpPr>
+          <p:nvPr>
+            <p:ph idx="1"/>
+          </p:nvPr>
+        </p:nvSpPr>
+        <p:spPr>
+          <a:xfrm>
+            <a:off x="628650" y="1601478"/>
+            <a:ext cx="10934700" cy="4844478"/>
+          </a:xfrm>
+        </p:spPr>
+        <p:txBody>
+          <a:bodyPr>
+            <a:noAutofit/>
+          </a:bodyPr>
+          <a:lstStyle/>
+          <a:p>
+            <a:r>
+              <a:rPr lang="en-US" sz="3200" dirty="0" smtClean="0"/>
+              <a:t>Point estimate of prevalence from multiple reports </a:t>
+            </a:r>
+            <a:br>
+              <a:rPr lang="en-US" sz="3200" dirty="0" smtClean="0"/>
+            </a:br>
+            <a:r>
+              <a:rPr lang="en-US" sz="3200" dirty="0" smtClean="0"/>
+              <a:t>(e.g. 1:5,000 and 1:100,000)</a:t>
+            </a:r>
+          </a:p>
+          <a:p>
+            <a:pPr lvl="1"/>
             <a:r>
               <a:rPr lang="en-US" dirty="0" smtClean="0"/>
-              <a:t>Update 7/13/2016</a:t>
-            </a:r>
-            <a:endParaRPr lang="en-US" dirty="0"/>
-          </a:p>
-        </p:txBody>
-      </p:sp>
-      <p:sp>
-        <p:nvSpPr>
-          <p:cNvPr id="3" name="Subtitle 2"/>
-          <p:cNvSpPr>
-            <a:spLocks noGrp="1"/>
-          </p:cNvSpPr>
-          <p:nvPr>
-            <p:ph type="subTitle" idx="1"/>
-          </p:nvPr>
-        </p:nvSpPr>
-        <p:spPr/>
-        <p:txBody>
-          <a:bodyPr/>
-          <a:lstStyle/>
-          <a:p>
+              <a:t>Arithmetic mean seems like it would overestimate.</a:t>
+            </a:r>
+          </a:p>
+          <a:p>
+            <a:pPr lvl="1"/>
             <a:r>
               <a:rPr lang="en-US" dirty="0" smtClean="0"/>
-              <a:t>JAMES DIAO</a:t>
-            </a:r>
-            <a:endParaRPr lang="en-US" dirty="0"/>
+              <a:t>Geometric mean might work pretty well (~22,360)</a:t>
+            </a:r>
+            <a:br>
+              <a:rPr lang="en-US" dirty="0" smtClean="0"/>
+            </a:br>
+            <a:r>
+              <a:rPr lang="en-US" dirty="0" smtClean="0"/>
+              <a:t>(bounded; effectively averaging some log function)</a:t>
+            </a:r>
+          </a:p>
+          <a:p>
+            <a:pPr lvl="1"/>
+            <a:r>
+              <a:rPr lang="en-US" dirty="0" smtClean="0"/>
+              <a:t>Alternatively, </a:t>
+            </a:r>
+            <a:r>
+              <a:rPr lang="en-US" dirty="0" smtClean="0">
+                <a:solidFill>
+                  <a:srgbClr val="0070C0"/>
+                </a:solidFill>
+              </a:rPr>
+              <a:t>reported a range </a:t>
+            </a:r>
+            <a:r>
+              <a:rPr lang="en-US" dirty="0" smtClean="0"/>
+              <a:t>for now. </a:t>
+            </a:r>
+          </a:p>
+          <a:p>
+            <a:r>
+              <a:rPr lang="en-US" sz="3200" dirty="0" smtClean="0"/>
+              <a:t>Citations</a:t>
+            </a:r>
+          </a:p>
+          <a:p>
+            <a:pPr lvl="1"/>
+            <a:r>
+              <a:rPr lang="en-US" dirty="0" smtClean="0"/>
+              <a:t>URL </a:t>
+            </a:r>
+            <a:r>
+              <a:rPr lang="en-US" dirty="0"/>
+              <a:t>or MLA/APA</a:t>
+            </a:r>
+            <a:r>
+              <a:rPr lang="is-IS" dirty="0" smtClean="0"/>
+              <a:t>…?</a:t>
+            </a:r>
+            <a:endParaRPr lang="en-US" dirty="0" smtClean="0"/>
+          </a:p>
+          <a:p>
+            <a:pPr lvl="1"/>
+            <a:r>
+              <a:rPr lang="en-US" dirty="0"/>
+              <a:t>O</a:t>
+            </a:r>
+            <a:r>
+              <a:rPr lang="en-US" dirty="0" smtClean="0"/>
+              <a:t>riginal </a:t>
+            </a:r>
+            <a:r>
+              <a:rPr lang="en-US" dirty="0" smtClean="0"/>
+              <a:t>study, or </a:t>
+            </a:r>
+            <a:r>
+              <a:rPr lang="en-US" dirty="0" smtClean="0"/>
+              <a:t>overview sites</a:t>
+            </a:r>
+            <a:r>
+              <a:rPr lang="en-US" dirty="0" smtClean="0"/>
+              <a:t>?</a:t>
+            </a:r>
+            <a:endParaRPr lang="en-US" dirty="0" smtClean="0"/>
+          </a:p>
+          <a:p>
+            <a:pPr lvl="1"/>
+            <a:r>
+              <a:rPr lang="en-US" dirty="0" smtClean="0"/>
+              <a:t>Studies may be </a:t>
+            </a:r>
+            <a:r>
+              <a:rPr lang="en-US" dirty="0" smtClean="0"/>
+              <a:t>old, geographically limited </a:t>
+            </a:r>
+          </a:p>
+          <a:p>
+            <a:pPr lvl="1"/>
+            <a:r>
+              <a:rPr lang="en-US" dirty="0" smtClean="0"/>
+              <a:t>Potential additional mentions: </a:t>
+            </a:r>
+            <a:br>
+              <a:rPr lang="en-US" dirty="0" smtClean="0"/>
+            </a:br>
+            <a:r>
+              <a:rPr lang="en-US" dirty="0" smtClean="0"/>
+              <a:t>c</a:t>
+            </a:r>
+            <a:r>
+              <a:rPr lang="en-US" dirty="0" smtClean="0"/>
+              <a:t>ountry, date, population, birth/anesthesia, “likely underestimate”</a:t>
+            </a:r>
+            <a:endParaRPr lang="en-US" dirty="0" smtClean="0"/>
+          </a:p>
+          <a:p>
+            <a:endParaRPr lang="en-US" sz="3200" dirty="0"/>
           </a:p>
         </p:txBody>
       </p:sp>
     </p:spTree>
     <p:extLst>
       <p:ext uri="{BB962C8B-B14F-4D97-AF65-F5344CB8AC3E}">
-        <p14:creationId xmlns:p14="http://schemas.microsoft.com/office/powerpoint/2010/main" val="2129872132"/>
+        <p14:creationId xmlns:p14="http://schemas.microsoft.com/office/powerpoint/2010/main" val="1658028395"/>
       </p:ext>
     </p:extLst>
   </p:cSld>

--- a/week_5/Presentation_week_5.2.pptx
+++ b/week_5/Presentation_week_5.2.pptx
@@ -517,6 +517,284 @@
           <a:bodyPr/>
           <a:lstStyle/>
           <a:p>
+            <a:r>
+              <a:rPr lang="en-US" dirty="0" smtClean="0"/>
+              <a:t>Histogram of homozygous</a:t>
+            </a:r>
+            <a:r>
+              <a:rPr lang="en-US" baseline="0" dirty="0" smtClean="0"/>
+              <a:t> reference sites</a:t>
+            </a:r>
+          </a:p>
+          <a:p>
+            <a:endParaRPr lang="en-US" dirty="0"/>
+          </a:p>
+        </p:txBody>
+      </p:sp>
+      <p:sp>
+        <p:nvSpPr>
+          <p:cNvPr id="4" name="Slide Number Placeholder 3"/>
+          <p:cNvSpPr>
+            <a:spLocks noGrp="1"/>
+          </p:cNvSpPr>
+          <p:nvPr>
+            <p:ph type="sldNum" sz="quarter" idx="10"/>
+          </p:nvPr>
+        </p:nvSpPr>
+        <p:spPr/>
+        <p:txBody>
+          <a:bodyPr/>
+          <a:lstStyle/>
+          <a:p>
+            <a:fld id="{0F7EF5EC-725D-DA48-9BAD-19B6E5F87FE7}" type="slidenum">
+              <a:rPr lang="en-US" smtClean="0"/>
+              <a:t>4</a:t>
+            </a:fld>
+            <a:endParaRPr lang="en-US"/>
+          </a:p>
+        </p:txBody>
+      </p:sp>
+    </p:spTree>
+    <p:extLst>
+      <p:ext uri="{BB962C8B-B14F-4D97-AF65-F5344CB8AC3E}">
+        <p14:creationId xmlns:p14="http://schemas.microsoft.com/office/powerpoint/2010/main" val="592721908"/>
+      </p:ext>
+    </p:extLst>
+  </p:cSld>
+  <p:clrMapOvr>
+    <a:masterClrMapping/>
+  </p:clrMapOvr>
+</p:notes>
+</file>
+
+<file path=ppt/notesSlides/notesSlide2.xml><?xml version="1.0" encoding="utf-8"?>
+<p:notes xmlns:a="http://schemas.openxmlformats.org/drawingml/2006/main" xmlns:r="http://schemas.openxmlformats.org/officeDocument/2006/relationships" xmlns:p="http://schemas.openxmlformats.org/presentationml/2006/main">
+  <p:cSld>
+    <p:spTree>
+      <p:nvGrpSpPr>
+        <p:cNvPr id="1" name=""/>
+        <p:cNvGrpSpPr/>
+        <p:nvPr/>
+      </p:nvGrpSpPr>
+      <p:grpSpPr>
+        <a:xfrm>
+          <a:off x="0" y="0"/>
+          <a:ext cx="0" cy="0"/>
+          <a:chOff x="0" y="0"/>
+          <a:chExt cx="0" cy="0"/>
+        </a:xfrm>
+      </p:grpSpPr>
+      <p:sp>
+        <p:nvSpPr>
+          <p:cNvPr id="2" name="Slide Image Placeholder 1"/>
+          <p:cNvSpPr>
+            <a:spLocks noGrp="1" noRot="1" noChangeAspect="1"/>
+          </p:cNvSpPr>
+          <p:nvPr>
+            <p:ph type="sldImg"/>
+          </p:nvPr>
+        </p:nvSpPr>
+        <p:spPr/>
+      </p:sp>
+      <p:sp>
+        <p:nvSpPr>
+          <p:cNvPr id="3" name="Notes Placeholder 2"/>
+          <p:cNvSpPr>
+            <a:spLocks noGrp="1"/>
+          </p:cNvSpPr>
+          <p:nvPr>
+            <p:ph type="body" idx="1"/>
+          </p:nvPr>
+        </p:nvSpPr>
+        <p:spPr/>
+        <p:txBody>
+          <a:bodyPr/>
+          <a:lstStyle/>
+          <a:p>
+            <a:r>
+              <a:rPr lang="en-US" dirty="0" smtClean="0"/>
+              <a:t>For exceptions and for correlations</a:t>
+            </a:r>
+            <a:r>
+              <a:rPr lang="en-US" baseline="0" dirty="0" smtClean="0"/>
+              <a:t>: add a column for direct length of gene + number of variant positions / gene. </a:t>
+            </a:r>
+            <a:endParaRPr lang="en-US" dirty="0"/>
+          </a:p>
+        </p:txBody>
+      </p:sp>
+      <p:sp>
+        <p:nvSpPr>
+          <p:cNvPr id="4" name="Slide Number Placeholder 3"/>
+          <p:cNvSpPr>
+            <a:spLocks noGrp="1"/>
+          </p:cNvSpPr>
+          <p:nvPr>
+            <p:ph type="sldNum" sz="quarter" idx="10"/>
+          </p:nvPr>
+        </p:nvSpPr>
+        <p:spPr/>
+        <p:txBody>
+          <a:bodyPr/>
+          <a:lstStyle/>
+          <a:p>
+            <a:fld id="{0F7EF5EC-725D-DA48-9BAD-19B6E5F87FE7}" type="slidenum">
+              <a:rPr lang="en-US" smtClean="0"/>
+              <a:t>5</a:t>
+            </a:fld>
+            <a:endParaRPr lang="en-US"/>
+          </a:p>
+        </p:txBody>
+      </p:sp>
+    </p:spTree>
+    <p:extLst>
+      <p:ext uri="{BB962C8B-B14F-4D97-AF65-F5344CB8AC3E}">
+        <p14:creationId xmlns:p14="http://schemas.microsoft.com/office/powerpoint/2010/main" val="580707469"/>
+      </p:ext>
+    </p:extLst>
+  </p:cSld>
+  <p:clrMapOvr>
+    <a:masterClrMapping/>
+  </p:clrMapOvr>
+</p:notes>
+</file>
+
+<file path=ppt/notesSlides/notesSlide3.xml><?xml version="1.0" encoding="utf-8"?>
+<p:notes xmlns:a="http://schemas.openxmlformats.org/drawingml/2006/main" xmlns:r="http://schemas.openxmlformats.org/officeDocument/2006/relationships" xmlns:p="http://schemas.openxmlformats.org/presentationml/2006/main">
+  <p:cSld>
+    <p:spTree>
+      <p:nvGrpSpPr>
+        <p:cNvPr id="1" name=""/>
+        <p:cNvGrpSpPr/>
+        <p:nvPr/>
+      </p:nvGrpSpPr>
+      <p:grpSpPr>
+        <a:xfrm>
+          <a:off x="0" y="0"/>
+          <a:ext cx="0" cy="0"/>
+          <a:chOff x="0" y="0"/>
+          <a:chExt cx="0" cy="0"/>
+        </a:xfrm>
+      </p:grpSpPr>
+      <p:sp>
+        <p:nvSpPr>
+          <p:cNvPr id="2" name="Slide Image Placeholder 1"/>
+          <p:cNvSpPr>
+            <a:spLocks noGrp="1" noRot="1" noChangeAspect="1"/>
+          </p:cNvSpPr>
+          <p:nvPr>
+            <p:ph type="sldImg"/>
+          </p:nvPr>
+        </p:nvSpPr>
+        <p:spPr/>
+      </p:sp>
+      <p:sp>
+        <p:nvSpPr>
+          <p:cNvPr id="3" name="Notes Placeholder 2"/>
+          <p:cNvSpPr>
+            <a:spLocks noGrp="1"/>
+          </p:cNvSpPr>
+          <p:nvPr>
+            <p:ph type="body" idx="1"/>
+          </p:nvPr>
+        </p:nvSpPr>
+        <p:spPr/>
+        <p:txBody>
+          <a:bodyPr/>
+          <a:lstStyle/>
+          <a:p>
+            <a:r>
+              <a:rPr lang="en-US" dirty="0" smtClean="0"/>
+              <a:t>Redo</a:t>
+            </a:r>
+            <a:r>
+              <a:rPr lang="en-US" baseline="0" dirty="0" smtClean="0"/>
+              <a:t> plot, sort genes as well. </a:t>
+            </a:r>
+            <a:endParaRPr lang="en-US" dirty="0"/>
+          </a:p>
+        </p:txBody>
+      </p:sp>
+      <p:sp>
+        <p:nvSpPr>
+          <p:cNvPr id="4" name="Slide Number Placeholder 3"/>
+          <p:cNvSpPr>
+            <a:spLocks noGrp="1"/>
+          </p:cNvSpPr>
+          <p:nvPr>
+            <p:ph type="sldNum" sz="quarter" idx="10"/>
+          </p:nvPr>
+        </p:nvSpPr>
+        <p:spPr/>
+        <p:txBody>
+          <a:bodyPr/>
+          <a:lstStyle/>
+          <a:p>
+            <a:fld id="{0F7EF5EC-725D-DA48-9BAD-19B6E5F87FE7}" type="slidenum">
+              <a:rPr lang="en-US" smtClean="0"/>
+              <a:t>6</a:t>
+            </a:fld>
+            <a:endParaRPr lang="en-US"/>
+          </a:p>
+        </p:txBody>
+      </p:sp>
+    </p:spTree>
+    <p:extLst>
+      <p:ext uri="{BB962C8B-B14F-4D97-AF65-F5344CB8AC3E}">
+        <p14:creationId xmlns:p14="http://schemas.microsoft.com/office/powerpoint/2010/main" val="421587554"/>
+      </p:ext>
+    </p:extLst>
+  </p:cSld>
+  <p:clrMapOvr>
+    <a:masterClrMapping/>
+  </p:clrMapOvr>
+</p:notes>
+</file>
+
+<file path=ppt/notesSlides/notesSlide4.xml><?xml version="1.0" encoding="utf-8"?>
+<p:notes xmlns:a="http://schemas.openxmlformats.org/drawingml/2006/main" xmlns:r="http://schemas.openxmlformats.org/officeDocument/2006/relationships" xmlns:p="http://schemas.openxmlformats.org/presentationml/2006/main">
+  <p:cSld>
+    <p:spTree>
+      <p:nvGrpSpPr>
+        <p:cNvPr id="1" name=""/>
+        <p:cNvGrpSpPr/>
+        <p:nvPr/>
+      </p:nvGrpSpPr>
+      <p:grpSpPr>
+        <a:xfrm>
+          <a:off x="0" y="0"/>
+          <a:ext cx="0" cy="0"/>
+          <a:chOff x="0" y="0"/>
+          <a:chExt cx="0" cy="0"/>
+        </a:xfrm>
+      </p:grpSpPr>
+      <p:sp>
+        <p:nvSpPr>
+          <p:cNvPr id="2" name="Slide Image Placeholder 1"/>
+          <p:cNvSpPr>
+            <a:spLocks noGrp="1" noRot="1" noChangeAspect="1"/>
+          </p:cNvSpPr>
+          <p:nvPr>
+            <p:ph type="sldImg"/>
+          </p:nvPr>
+        </p:nvSpPr>
+        <p:spPr/>
+      </p:sp>
+      <p:sp>
+        <p:nvSpPr>
+          <p:cNvPr id="3" name="Notes Placeholder 2"/>
+          <p:cNvSpPr>
+            <a:spLocks noGrp="1"/>
+          </p:cNvSpPr>
+          <p:nvPr>
+            <p:ph type="body" idx="1"/>
+          </p:nvPr>
+        </p:nvSpPr>
+        <p:spPr/>
+        <p:txBody>
+          <a:bodyPr/>
+          <a:lstStyle/>
+          <a:p>
             <a:endParaRPr lang="en-US" dirty="0"/>
           </a:p>
         </p:txBody>
@@ -548,6 +826,90 @@
     <p:extLst>
       <p:ext uri="{BB962C8B-B14F-4D97-AF65-F5344CB8AC3E}">
         <p14:creationId xmlns:p14="http://schemas.microsoft.com/office/powerpoint/2010/main" val="124155096"/>
+      </p:ext>
+    </p:extLst>
+  </p:cSld>
+  <p:clrMapOvr>
+    <a:masterClrMapping/>
+  </p:clrMapOvr>
+</p:notes>
+</file>
+
+<file path=ppt/notesSlides/notesSlide5.xml><?xml version="1.0" encoding="utf-8"?>
+<p:notes xmlns:a="http://schemas.openxmlformats.org/drawingml/2006/main" xmlns:r="http://schemas.openxmlformats.org/officeDocument/2006/relationships" xmlns:p="http://schemas.openxmlformats.org/presentationml/2006/main">
+  <p:cSld>
+    <p:spTree>
+      <p:nvGrpSpPr>
+        <p:cNvPr id="1" name=""/>
+        <p:cNvGrpSpPr/>
+        <p:nvPr/>
+      </p:nvGrpSpPr>
+      <p:grpSpPr>
+        <a:xfrm>
+          <a:off x="0" y="0"/>
+          <a:ext cx="0" cy="0"/>
+          <a:chOff x="0" y="0"/>
+          <a:chExt cx="0" cy="0"/>
+        </a:xfrm>
+      </p:grpSpPr>
+      <p:sp>
+        <p:nvSpPr>
+          <p:cNvPr id="2" name="Slide Image Placeholder 1"/>
+          <p:cNvSpPr>
+            <a:spLocks noGrp="1" noRot="1" noChangeAspect="1"/>
+          </p:cNvSpPr>
+          <p:nvPr>
+            <p:ph type="sldImg"/>
+          </p:nvPr>
+        </p:nvSpPr>
+        <p:spPr/>
+      </p:sp>
+      <p:sp>
+        <p:nvSpPr>
+          <p:cNvPr id="3" name="Notes Placeholder 2"/>
+          <p:cNvSpPr>
+            <a:spLocks noGrp="1"/>
+          </p:cNvSpPr>
+          <p:nvPr>
+            <p:ph type="body" idx="1"/>
+          </p:nvPr>
+        </p:nvSpPr>
+        <p:spPr/>
+        <p:txBody>
+          <a:bodyPr/>
+          <a:lstStyle/>
+          <a:p>
+            <a:endParaRPr lang="en-US" dirty="0"/>
+          </a:p>
+        </p:txBody>
+      </p:sp>
+      <p:sp>
+        <p:nvSpPr>
+          <p:cNvPr id="4" name="Slide Number Placeholder 3"/>
+          <p:cNvSpPr>
+            <a:spLocks noGrp="1"/>
+          </p:cNvSpPr>
+          <p:nvPr>
+            <p:ph type="sldNum" sz="quarter" idx="10"/>
+          </p:nvPr>
+        </p:nvSpPr>
+        <p:spPr/>
+        <p:txBody>
+          <a:bodyPr/>
+          <a:lstStyle/>
+          <a:p>
+            <a:fld id="{0F7EF5EC-725D-DA48-9BAD-19B6E5F87FE7}" type="slidenum">
+              <a:rPr lang="en-US" smtClean="0"/>
+              <a:t>9</a:t>
+            </a:fld>
+            <a:endParaRPr lang="en-US"/>
+          </a:p>
+        </p:txBody>
+      </p:sp>
+    </p:spTree>
+    <p:extLst>
+      <p:ext uri="{BB962C8B-B14F-4D97-AF65-F5344CB8AC3E}">
+        <p14:creationId xmlns:p14="http://schemas.microsoft.com/office/powerpoint/2010/main" val="483489152"/>
       </p:ext>
     </p:extLst>
   </p:cSld>
@@ -3470,6 +3832,13 @@
   <p:clrMapOvr>
     <a:masterClrMapping/>
   </p:clrMapOvr>
+  <p:timing>
+    <p:tnLst>
+      <p:par>
+        <p:cTn id="1" dur="indefinite" restart="never" nodeType="tmRoot"/>
+      </p:par>
+    </p:tnLst>
+  </p:timing>
 </p:sld>
 </file>
 
@@ -3507,19 +3876,7 @@
           <a:p>
             <a:r>
               <a:rPr lang="en-US" dirty="0" smtClean="0"/>
-              <a:t>1000G-ExAC AF C</a:t>
-            </a:r>
-            <a:r>
-              <a:rPr lang="en-US" dirty="0" smtClean="0"/>
-              <a:t>orrelations </a:t>
-            </a:r>
-            <a:r>
-              <a:rPr lang="en-US" dirty="0" smtClean="0"/>
-              <a:t>as </a:t>
-            </a:r>
-            <a:r>
-              <a:rPr lang="en-US" dirty="0" smtClean="0"/>
-              <a:t>Histogram</a:t>
+              <a:t>1000G-ExAC AF Correlations as Histogram</a:t>
             </a:r>
             <a:endParaRPr lang="en-US" dirty="0"/>
           </a:p>
@@ -3559,6 +3916,13 @@
   <p:clrMapOvr>
     <a:masterClrMapping/>
   </p:clrMapOvr>
+  <p:timing>
+    <p:tnLst>
+      <p:par>
+        <p:cTn id="1" dur="indefinite" restart="never" nodeType="tmRoot"/>
+      </p:par>
+    </p:tnLst>
+  </p:timing>
 </p:sld>
 </file>
 
@@ -3657,8 +4021,13 @@
             <a:pPr lvl="1"/>
             <a:r>
               <a:rPr lang="en-US" dirty="0" smtClean="0"/>
-              <a:t>Now: max(range</a:t>
-            </a:r>
+              <a:t>Now: </a:t>
+            </a:r>
+            <a:r>
+              <a:rPr lang="en-US" dirty="0" smtClean="0"/>
+              <a:t>max(range)</a:t>
+            </a:r>
+            <a:endParaRPr lang="en-US" dirty="0" smtClean="0"/>
           </a:p>
           <a:p>
             <a:pPr marL="228600" lvl="1">
@@ -3710,7 +4079,6 @@
               <a:rPr lang="en-US" sz="2800" dirty="0" smtClean="0"/>
               <a:t>.</a:t>
             </a:r>
-            <a:endParaRPr lang="en-US" sz="2800" dirty="0" smtClean="0"/>
           </a:p>
           <a:p>
             <a:r>
@@ -3739,15 +4107,7 @@
             </a:r>
             <a:r>
               <a:rPr lang="en-US" dirty="0" smtClean="0"/>
-              <a:t> columns </a:t>
-            </a:r>
-            <a:r>
-              <a:rPr lang="en-US" dirty="0" smtClean="0"/>
-              <a:t>to</a:t>
-            </a:r>
-            <a:r>
-              <a:rPr lang="en-US" dirty="0" smtClean="0"/>
-              <a:t>?</a:t>
+              <a:t> columns to?</a:t>
             </a:r>
           </a:p>
           <a:p>
@@ -3765,6 +4125,13 @@
   <p:clrMapOvr>
     <a:masterClrMapping/>
   </p:clrMapOvr>
+  <p:timing>
+    <p:tnLst>
+      <p:par>
+        <p:cTn id="1" dur="indefinite" restart="never" nodeType="tmRoot"/>
+      </p:par>
+    </p:tnLst>
+  </p:timing>
 </p:sld>
 </file>
 
@@ -3802,7 +4169,19 @@
           <a:p>
             <a:r>
               <a:rPr lang="en-US" dirty="0" smtClean="0"/>
-              <a:t>1000G ACMG Variants per Patient</a:t>
+              <a:t>1000G ACMG </a:t>
+            </a:r>
+            <a:r>
+              <a:rPr lang="en-US" dirty="0" smtClean="0"/>
+              <a:t>Variable Positions </a:t>
+            </a:r>
+            <a:r>
+              <a:rPr lang="en-US" dirty="0" smtClean="0"/>
+              <a:t>per </a:t>
+            </a:r>
+            <a:r>
+              <a:rPr lang="en-US" dirty="0" smtClean="0"/>
+              <a:t>Patient</a:t>
             </a:r>
             <a:endParaRPr lang="en-US" dirty="0"/>
           </a:p>
@@ -3819,7 +4198,7 @@
           </p:nvPr>
         </p:nvPicPr>
         <p:blipFill>
-          <a:blip r:embed="rId2"/>
+          <a:blip r:embed="rId3"/>
           <a:stretch>
             <a:fillRect/>
           </a:stretch>
@@ -3903,7 +4282,7 @@
           </p:nvPr>
         </p:nvPicPr>
         <p:blipFill>
-          <a:blip r:embed="rId2"/>
+          <a:blip r:embed="rId3"/>
           <a:stretch>
             <a:fillRect/>
           </a:stretch>
@@ -3976,7 +4355,7 @@
           <p:nvPr/>
         </p:nvPicPr>
         <p:blipFill rotWithShape="1">
-          <a:blip r:embed="rId3"/>
+          <a:blip r:embed="rId4"/>
           <a:srcRect t="6299"/>
           <a:stretch/>
         </p:blipFill>
@@ -4056,7 +4435,7 @@
           </p:nvPr>
         </p:nvPicPr>
         <p:blipFill>
-          <a:blip r:embed="rId2"/>
+          <a:blip r:embed="rId3"/>
           <a:stretch>
             <a:fillRect/>
           </a:stretch>
@@ -5245,7 +5624,7 @@
         <p:spPr>
           <a:xfrm>
             <a:off x="628650" y="1601478"/>
-            <a:ext cx="10934700" cy="4844478"/>
+            <a:ext cx="10934700" cy="4379192"/>
           </a:xfrm>
         </p:spPr>
         <p:txBody>
@@ -5315,75 +5694,40 @@
           <a:p>
             <a:pPr lvl="1"/>
             <a:r>
+              <a:rPr lang="en-US" b="1" dirty="0" smtClean="0"/>
+              <a:t>URL </a:t>
+            </a:r>
+            <a:r>
+              <a:rPr lang="en-US" b="1" dirty="0" smtClean="0"/>
+              <a:t>+ PubMed ID + Author et al., Journal, Year.</a:t>
+            </a:r>
+          </a:p>
+          <a:p>
+            <a:pPr lvl="1"/>
+            <a:r>
+              <a:rPr lang="en-US" b="1" dirty="0" smtClean="0"/>
+              <a:t>Original study </a:t>
+            </a:r>
+          </a:p>
+          <a:p>
+            <a:pPr lvl="1"/>
+            <a:r>
               <a:rPr lang="en-US" dirty="0" smtClean="0"/>
-              <a:t>URL </a:t>
+              <a:t>Additional fields: </a:t>
+            </a:r>
+            <a:r>
+              <a:rPr lang="en-US" b="1" dirty="0" smtClean="0"/>
+              <a:t>country</a:t>
             </a:r>
             <a:r>
               <a:rPr lang="en-US" dirty="0"/>
-              <a:t>or MLA/APA</a:t>
-            </a:r>
-            <a:r>
-              <a:rPr lang="is-IS" dirty="0" smtClean="0"/>
-              <a:t>…?</a:t>
+              <a:t>,</a:t>
+            </a:r>
+            <a:r>
+              <a:rPr lang="en-US" dirty="0" smtClean="0"/>
+              <a:t> ^categorical: newborns/children/adult</a:t>
             </a:r>
             <a:endParaRPr lang="en-US" dirty="0" smtClean="0"/>
-          </a:p>
-          <a:p>
-            <a:pPr lvl="1"/>
-            <a:r>
-              <a:rPr lang="en-US" dirty="0"/>
-              <a:t>O</a:t>
-            </a:r>
-            <a:r>
-              <a:rPr lang="en-US" dirty="0" smtClean="0"/>
-              <a:t>riginal </a:t>
-            </a:r>
-            <a:r>
-              <a:rPr lang="en-US" dirty="0" smtClean="0"/>
-              <a:t>study, or </a:t>
-            </a:r>
-            <a:r>
-              <a:rPr lang="en-US" dirty="0" smtClean="0"/>
-              <a:t>overview sites</a:t>
-            </a:r>
-            <a:r>
-              <a:rPr lang="en-US" dirty="0" smtClean="0"/>
-              <a:t>?</a:t>
-            </a:r>
-            <a:endParaRPr lang="en-US" dirty="0" smtClean="0"/>
-          </a:p>
-          <a:p>
-            <a:pPr lvl="1"/>
-            <a:r>
-              <a:rPr lang="en-US" dirty="0" smtClean="0"/>
-              <a:t>Studies may be </a:t>
-            </a:r>
-            <a:r>
-              <a:rPr lang="en-US" dirty="0" smtClean="0"/>
-              <a:t>old, geographically limited </a:t>
-            </a:r>
-          </a:p>
-          <a:p>
-            <a:pPr lvl="1"/>
-            <a:r>
-              <a:rPr lang="en-US" dirty="0" smtClean="0"/>
-              <a:t>Potential additional mentions: </a:t>
-            </a:r>
-            <a:br>
-              <a:rPr lang="en-US" dirty="0" smtClean="0"/>
-            </a:br>
-            <a:r>
-              <a:rPr lang="en-US" dirty="0" smtClean="0"/>
-              <a:t>c</a:t>
-            </a:r>
-            <a:r>
-              <a:rPr lang="en-US" dirty="0" smtClean="0"/>
-              <a:t>ountry, date, population, birth/anesthesia, “likely underestimate”</a:t>
-            </a:r>
-            <a:endParaRPr lang="en-US" dirty="0" smtClean="0"/>
-          </a:p>
-          <a:p>
-            <a:endParaRPr lang="en-US" sz="3200" dirty="0"/>
           </a:p>
         </p:txBody>
       </p:sp>
